--- a/LECTURE_DETECTION.pptx
+++ b/LECTURE_DETECTION.pptx
@@ -6,10 +6,10 @@
     <p:sldMasterId id="2147483649" r:id="rId2"/>
   </p:sldMasterIdLst>
   <p:notesMasterIdLst>
-    <p:notesMasterId r:id="rId39"/>
+    <p:notesMasterId r:id="rId38"/>
   </p:notesMasterIdLst>
   <p:handoutMasterIdLst>
-    <p:handoutMasterId r:id="rId40"/>
+    <p:handoutMasterId r:id="rId39"/>
   </p:handoutMasterIdLst>
   <p:sldIdLst>
     <p:sldId id="976" r:id="rId3"/>
@@ -26,28 +26,27 @@
     <p:sldId id="909" r:id="rId14"/>
     <p:sldId id="980" r:id="rId15"/>
     <p:sldId id="908" r:id="rId16"/>
-    <p:sldId id="910" r:id="rId17"/>
-    <p:sldId id="978" r:id="rId18"/>
-    <p:sldId id="911" r:id="rId19"/>
-    <p:sldId id="912" r:id="rId20"/>
-    <p:sldId id="913" r:id="rId21"/>
-    <p:sldId id="914" r:id="rId22"/>
-    <p:sldId id="975" r:id="rId23"/>
-    <p:sldId id="915" r:id="rId24"/>
-    <p:sldId id="916" r:id="rId25"/>
-    <p:sldId id="917" r:id="rId26"/>
-    <p:sldId id="918" r:id="rId27"/>
-    <p:sldId id="919" r:id="rId28"/>
-    <p:sldId id="920" r:id="rId29"/>
-    <p:sldId id="921" r:id="rId30"/>
-    <p:sldId id="922" r:id="rId31"/>
-    <p:sldId id="923" r:id="rId32"/>
-    <p:sldId id="924" r:id="rId33"/>
-    <p:sldId id="925" r:id="rId34"/>
-    <p:sldId id="929" r:id="rId35"/>
-    <p:sldId id="930" r:id="rId36"/>
-    <p:sldId id="931" r:id="rId37"/>
-    <p:sldId id="932" r:id="rId38"/>
+    <p:sldId id="912" r:id="rId17"/>
+    <p:sldId id="913" r:id="rId18"/>
+    <p:sldId id="914" r:id="rId19"/>
+    <p:sldId id="975" r:id="rId20"/>
+    <p:sldId id="983" r:id="rId21"/>
+    <p:sldId id="915" r:id="rId22"/>
+    <p:sldId id="916" r:id="rId23"/>
+    <p:sldId id="917" r:id="rId24"/>
+    <p:sldId id="918" r:id="rId25"/>
+    <p:sldId id="919" r:id="rId26"/>
+    <p:sldId id="920" r:id="rId27"/>
+    <p:sldId id="921" r:id="rId28"/>
+    <p:sldId id="922" r:id="rId29"/>
+    <p:sldId id="923" r:id="rId30"/>
+    <p:sldId id="924" r:id="rId31"/>
+    <p:sldId id="925" r:id="rId32"/>
+    <p:sldId id="929" r:id="rId33"/>
+    <p:sldId id="930" r:id="rId34"/>
+    <p:sldId id="931" r:id="rId35"/>
+    <p:sldId id="932" r:id="rId36"/>
+    <p:sldId id="984" r:id="rId37"/>
   </p:sldIdLst>
   <p:sldSz cx="9144000" cy="6858000" type="screen4x3"/>
   <p:notesSz cx="6858000" cy="9144000"/>
@@ -10835,736 +10834,6 @@
       </p:grpSpPr>
       <p:sp>
         <p:nvSpPr>
-          <p:cNvPr id="18435" name="Rectangle 2"/>
-          <p:cNvSpPr>
-            <a:spLocks noChangeArrowheads="1"/>
-          </p:cNvSpPr>
-          <p:nvPr/>
-        </p:nvSpPr>
-        <p:spPr bwMode="auto">
-          <a:xfrm>
-            <a:off x="457200" y="-76200"/>
-            <a:ext cx="8229600" cy="1143000"/>
-          </a:xfrm>
-          <a:prstGeom prst="rect">
-            <a:avLst/>
-          </a:prstGeom>
-          <a:noFill/>
-          <a:ln w="9525">
-            <a:noFill/>
-            <a:miter lim="800000"/>
-            <a:headEnd/>
-            <a:tailEnd/>
-          </a:ln>
-        </p:spPr>
-        <p:txBody>
-          <a:bodyPr anchor="ctr"/>
-          <a:lstStyle/>
-          <a:p>
-            <a:pPr algn="ctr"/>
-            <a:r>
-              <a:rPr lang="en-US" sz="4400" dirty="0">
-                <a:solidFill>
-                  <a:srgbClr val="CC0000"/>
-                </a:solidFill>
-                <a:latin typeface="Times New Roman" pitchFamily="18" charset="0"/>
-                <a:cs typeface="Times New Roman" pitchFamily="18" charset="0"/>
-              </a:rPr>
-              <a:t>Simulation: Flip, Detect, Correct</a:t>
-            </a:r>
-          </a:p>
-        </p:txBody>
-      </p:sp>
-      <p:grpSp>
-        <p:nvGrpSpPr>
-          <p:cNvPr id="4" name="Group 3"/>
-          <p:cNvGrpSpPr/>
-          <p:nvPr/>
-        </p:nvGrpSpPr>
-        <p:grpSpPr>
-          <a:xfrm>
-            <a:off x="180973" y="3726504"/>
-            <a:ext cx="8353427" cy="2521896"/>
-            <a:chOff x="180973" y="3726504"/>
-            <a:chExt cx="8353427" cy="2521896"/>
-          </a:xfrm>
-        </p:grpSpPr>
-        <p:sp>
-          <p:nvSpPr>
-            <p:cNvPr id="18437" name="Oval 5"/>
-            <p:cNvSpPr>
-              <a:spLocks noChangeArrowheads="1"/>
-            </p:cNvSpPr>
-            <p:nvPr/>
-          </p:nvSpPr>
-          <p:spPr bwMode="auto">
-            <a:xfrm>
-              <a:off x="2209800" y="4038600"/>
-              <a:ext cx="3962400" cy="1066800"/>
-            </a:xfrm>
-            <a:prstGeom prst="ellipse">
-              <a:avLst/>
-            </a:prstGeom>
-            <a:noFill/>
-            <a:ln w="9525" algn="ctr">
-              <a:noFill/>
-              <a:round/>
-              <a:headEnd/>
-              <a:tailEnd/>
-            </a:ln>
-          </p:spPr>
-          <p:txBody>
-            <a:bodyPr wrap="none" anchor="ctr">
-              <a:spAutoFit/>
-            </a:bodyPr>
-            <a:lstStyle/>
-            <a:p>
-              <a:endParaRPr lang="he-IL"/>
-            </a:p>
-          </p:txBody>
-        </p:sp>
-        <p:sp>
-          <p:nvSpPr>
-            <p:cNvPr id="8" name="TextBox 7"/>
-            <p:cNvSpPr txBox="1"/>
-            <p:nvPr/>
-          </p:nvSpPr>
-          <p:spPr>
-            <a:xfrm>
-              <a:off x="4137750" y="3912833"/>
-              <a:ext cx="4396650" cy="461665"/>
-            </a:xfrm>
-            <a:prstGeom prst="rect">
-              <a:avLst/>
-            </a:prstGeom>
-            <a:noFill/>
-          </p:spPr>
-          <p:txBody>
-            <a:bodyPr wrap="square" rtlCol="1">
-              <a:spAutoFit/>
-            </a:bodyPr>
-            <a:lstStyle/>
-            <a:p>
-              <a:r>
-                <a:rPr lang="en-US" sz="2400" dirty="0"/>
-                <a:t>Create random code “word”</a:t>
-              </a:r>
-              <a:endParaRPr lang="he-IL" sz="2400" dirty="0"/>
-            </a:p>
-          </p:txBody>
-        </p:sp>
-        <p:sp>
-          <p:nvSpPr>
-            <p:cNvPr id="9" name="TextBox 8"/>
-            <p:cNvSpPr txBox="1"/>
-            <p:nvPr/>
-          </p:nvSpPr>
-          <p:spPr>
-            <a:xfrm>
-              <a:off x="4192506" y="4917524"/>
-              <a:ext cx="4189493" cy="461665"/>
-            </a:xfrm>
-            <a:prstGeom prst="rect">
-              <a:avLst/>
-            </a:prstGeom>
-            <a:noFill/>
-          </p:spPr>
-          <p:txBody>
-            <a:bodyPr wrap="square" rtlCol="1">
-              <a:spAutoFit/>
-            </a:bodyPr>
-            <a:lstStyle/>
-            <a:p>
-              <a:r>
-                <a:rPr lang="en-US" sz="2400" dirty="0"/>
-                <a:t>Flip bit at random location</a:t>
-              </a:r>
-              <a:endParaRPr lang="he-IL" sz="2400" dirty="0"/>
-            </a:p>
-          </p:txBody>
-        </p:sp>
-        <p:sp>
-          <p:nvSpPr>
-            <p:cNvPr id="10" name="Right Brace 9"/>
-            <p:cNvSpPr/>
-            <p:nvPr/>
-          </p:nvSpPr>
-          <p:spPr bwMode="auto">
-            <a:xfrm>
-              <a:off x="3733800" y="3733800"/>
-              <a:ext cx="266330" cy="772357"/>
-            </a:xfrm>
-            <a:prstGeom prst="rightBrace">
-              <a:avLst/>
-            </a:prstGeom>
-            <a:noFill/>
-            <a:ln w="19050" cap="flat" cmpd="sng" algn="ctr">
-              <a:solidFill>
-                <a:schemeClr val="tx1"/>
-              </a:solidFill>
-              <a:prstDash val="solid"/>
-              <a:round/>
-              <a:headEnd type="none" w="med" len="med"/>
-              <a:tailEnd type="none" w="med" len="med"/>
-            </a:ln>
-            <a:effectLst/>
-          </p:spPr>
-          <p:txBody>
-            <a:bodyPr vert="horz" wrap="square" lIns="91440" tIns="45720" rIns="91440" bIns="45720" numCol="1" rtlCol="1" anchor="ctr" anchorCtr="0" compatLnSpc="1">
-              <a:prstTxWarp prst="textNoShape">
-                <a:avLst/>
-              </a:prstTxWarp>
-              <a:spAutoFit/>
-            </a:bodyPr>
-            <a:lstStyle/>
-            <a:p>
-              <a:pPr marL="0" marR="0" indent="0" algn="l" defTabSz="914400" rtl="0" eaLnBrk="1" fontAlgn="base" latinLnBrk="0" hangingPunct="1">
-                <a:lnSpc>
-                  <a:spcPct val="100000"/>
-                </a:lnSpc>
-                <a:spcBef>
-                  <a:spcPct val="50000"/>
-                </a:spcBef>
-                <a:spcAft>
-                  <a:spcPct val="0"/>
-                </a:spcAft>
-                <a:buClrTx/>
-                <a:buSzTx/>
-                <a:buFontTx/>
-                <a:buNone/>
-                <a:tabLst/>
-              </a:pPr>
-              <a:endParaRPr kumimoji="0" lang="he-IL" sz="1800" b="0" i="0" u="none" strike="noStrike" cap="none" normalizeH="0" baseline="0">
-                <a:ln>
-                  <a:noFill/>
-                </a:ln>
-                <a:solidFill>
-                  <a:schemeClr val="tx1"/>
-                </a:solidFill>
-                <a:effectLst/>
-                <a:latin typeface="Arial" charset="0"/>
-              </a:endParaRPr>
-            </a:p>
-          </p:txBody>
-        </p:sp>
-        <p:sp>
-          <p:nvSpPr>
-            <p:cNvPr id="11" name="Right Brace 10"/>
-            <p:cNvSpPr/>
-            <p:nvPr/>
-          </p:nvSpPr>
-          <p:spPr bwMode="auto">
-            <a:xfrm>
-              <a:off x="3719790" y="4603143"/>
-              <a:ext cx="355058" cy="1029670"/>
-            </a:xfrm>
-            <a:prstGeom prst="rightBrace">
-              <a:avLst/>
-            </a:prstGeom>
-            <a:noFill/>
-            <a:ln w="19050" cap="flat" cmpd="sng" algn="ctr">
-              <a:solidFill>
-                <a:schemeClr val="tx1"/>
-              </a:solidFill>
-              <a:prstDash val="solid"/>
-              <a:round/>
-              <a:headEnd type="none" w="med" len="med"/>
-              <a:tailEnd type="none" w="med" len="med"/>
-            </a:ln>
-            <a:effectLst/>
-          </p:spPr>
-          <p:txBody>
-            <a:bodyPr vert="horz" wrap="square" lIns="91440" tIns="45720" rIns="91440" bIns="45720" numCol="1" rtlCol="1" anchor="ctr" anchorCtr="0" compatLnSpc="1">
-              <a:prstTxWarp prst="textNoShape">
-                <a:avLst/>
-              </a:prstTxWarp>
-              <a:spAutoFit/>
-            </a:bodyPr>
-            <a:lstStyle/>
-            <a:p>
-              <a:pPr marL="0" marR="0" indent="0" algn="l" defTabSz="914400" rtl="0" eaLnBrk="1" fontAlgn="base" latinLnBrk="0" hangingPunct="1">
-                <a:lnSpc>
-                  <a:spcPct val="100000"/>
-                </a:lnSpc>
-                <a:spcBef>
-                  <a:spcPct val="50000"/>
-                </a:spcBef>
-                <a:spcAft>
-                  <a:spcPct val="0"/>
-                </a:spcAft>
-                <a:buClrTx/>
-                <a:buSzTx/>
-                <a:buFontTx/>
-                <a:buNone/>
-                <a:tabLst/>
-              </a:pPr>
-              <a:endParaRPr kumimoji="0" lang="he-IL" sz="1800" b="0" i="0" u="none" strike="noStrike" cap="none" normalizeH="0" baseline="0" dirty="0">
-                <a:ln>
-                  <a:noFill/>
-                </a:ln>
-                <a:solidFill>
-                  <a:schemeClr val="tx1"/>
-                </a:solidFill>
-                <a:effectLst/>
-                <a:latin typeface="Arial" charset="0"/>
-              </a:endParaRPr>
-            </a:p>
-          </p:txBody>
-        </p:sp>
-        <p:sp>
-          <p:nvSpPr>
-            <p:cNvPr id="12" name="Right Brace 11"/>
-            <p:cNvSpPr/>
-            <p:nvPr/>
-          </p:nvSpPr>
-          <p:spPr bwMode="auto">
-            <a:xfrm>
-              <a:off x="3795075" y="5706860"/>
-              <a:ext cx="186738" cy="541540"/>
-            </a:xfrm>
-            <a:prstGeom prst="rightBrace">
-              <a:avLst/>
-            </a:prstGeom>
-            <a:noFill/>
-            <a:ln w="19050" cap="flat" cmpd="sng" algn="ctr">
-              <a:solidFill>
-                <a:schemeClr val="tx1"/>
-              </a:solidFill>
-              <a:prstDash val="solid"/>
-              <a:round/>
-              <a:headEnd type="none" w="med" len="med"/>
-              <a:tailEnd type="none" w="med" len="med"/>
-            </a:ln>
-            <a:effectLst/>
-          </p:spPr>
-          <p:txBody>
-            <a:bodyPr vert="horz" wrap="square" lIns="91440" tIns="45720" rIns="91440" bIns="45720" numCol="1" rtlCol="1" anchor="ctr" anchorCtr="0" compatLnSpc="1">
-              <a:prstTxWarp prst="textNoShape">
-                <a:avLst/>
-              </a:prstTxWarp>
-              <a:spAutoFit/>
-            </a:bodyPr>
-            <a:lstStyle/>
-            <a:p>
-              <a:pPr marL="0" marR="0" indent="0" algn="l" defTabSz="914400" rtl="0" eaLnBrk="1" fontAlgn="base" latinLnBrk="0" hangingPunct="1">
-                <a:lnSpc>
-                  <a:spcPct val="100000"/>
-                </a:lnSpc>
-                <a:spcBef>
-                  <a:spcPct val="50000"/>
-                </a:spcBef>
-                <a:spcAft>
-                  <a:spcPct val="0"/>
-                </a:spcAft>
-                <a:buClrTx/>
-                <a:buSzTx/>
-                <a:buFontTx/>
-                <a:buNone/>
-                <a:tabLst/>
-              </a:pPr>
-              <a:endParaRPr kumimoji="0" lang="he-IL" sz="1800" b="0" i="0" u="none" strike="noStrike" cap="none" normalizeH="0" baseline="0" dirty="0">
-                <a:ln>
-                  <a:noFill/>
-                </a:ln>
-                <a:solidFill>
-                  <a:schemeClr val="tx1"/>
-                </a:solidFill>
-                <a:effectLst/>
-                <a:latin typeface="Arial" charset="0"/>
-              </a:endParaRPr>
-            </a:p>
-          </p:txBody>
-        </p:sp>
-        <p:sp>
-          <p:nvSpPr>
-            <p:cNvPr id="13" name="TextBox 12"/>
-            <p:cNvSpPr txBox="1"/>
-            <p:nvPr/>
-          </p:nvSpPr>
-          <p:spPr>
-            <a:xfrm>
-              <a:off x="4112608" y="5715000"/>
-              <a:ext cx="4116992" cy="461665"/>
-            </a:xfrm>
-            <a:prstGeom prst="rect">
-              <a:avLst/>
-            </a:prstGeom>
-            <a:noFill/>
-          </p:spPr>
-          <p:txBody>
-            <a:bodyPr wrap="square" rtlCol="1">
-              <a:spAutoFit/>
-            </a:bodyPr>
-            <a:lstStyle/>
-            <a:p>
-              <a:r>
-                <a:rPr lang="en-US" sz="2400" dirty="0"/>
-                <a:t>Detect and correct error</a:t>
-              </a:r>
-              <a:endParaRPr lang="he-IL" sz="2400" dirty="0"/>
-            </a:p>
-          </p:txBody>
-        </p:sp>
-        <p:pic>
-          <p:nvPicPr>
-            <p:cNvPr id="3" name="Picture 2"/>
-            <p:cNvPicPr>
-              <a:picLocks noChangeAspect="1"/>
-            </p:cNvPicPr>
-            <p:nvPr/>
-          </p:nvPicPr>
-          <p:blipFill>
-            <a:blip r:embed="rId2"/>
-            <a:stretch>
-              <a:fillRect/>
-            </a:stretch>
-          </p:blipFill>
-          <p:spPr>
-            <a:xfrm>
-              <a:off x="180973" y="3726504"/>
-              <a:ext cx="3566160" cy="2510318"/>
-            </a:xfrm>
-            <a:prstGeom prst="rect">
-              <a:avLst/>
-            </a:prstGeom>
-          </p:spPr>
-        </p:pic>
-      </p:grpSp>
-      <p:pic>
-        <p:nvPicPr>
-          <p:cNvPr id="5" name="תמונה 4">
-            <a:extLst>
-              <a:ext uri="{FF2B5EF4-FFF2-40B4-BE49-F238E27FC236}">
-                <a16:creationId xmlns:a16="http://schemas.microsoft.com/office/drawing/2014/main" id="{BA1D1C08-F344-480D-8AB6-458A426508D5}"/>
-              </a:ext>
-            </a:extLst>
-          </p:cNvPr>
-          <p:cNvPicPr>
-            <a:picLocks noChangeAspect="1"/>
-          </p:cNvPicPr>
-          <p:nvPr/>
-        </p:nvPicPr>
-        <p:blipFill>
-          <a:blip r:embed="rId3"/>
-          <a:stretch>
-            <a:fillRect/>
-          </a:stretch>
-        </p:blipFill>
-        <p:spPr>
-          <a:xfrm>
-            <a:off x="138113" y="1077012"/>
-            <a:ext cx="8548688" cy="2093556"/>
-          </a:xfrm>
-          <a:prstGeom prst="rect">
-            <a:avLst/>
-          </a:prstGeom>
-        </p:spPr>
-      </p:pic>
-    </p:spTree>
-    <p:extLst>
-      <p:ext uri="{BB962C8B-B14F-4D97-AF65-F5344CB8AC3E}">
-        <p14:creationId xmlns:p14="http://schemas.microsoft.com/office/powerpoint/2010/main" val="1668709535"/>
-      </p:ext>
-    </p:extLst>
-  </p:cSld>
-  <p:clrMapOvr>
-    <a:masterClrMapping/>
-  </p:clrMapOvr>
-  <p:timing>
-    <p:tnLst>
-      <p:par>
-        <p:cTn id="1" dur="indefinite" restart="never" nodeType="tmRoot">
-          <p:childTnLst>
-            <p:seq concurrent="1" nextAc="seek">
-              <p:cTn id="2" dur="indefinite" nodeType="mainSeq">
-                <p:childTnLst>
-                  <p:par>
-                    <p:cTn id="3" fill="hold">
-                      <p:stCondLst>
-                        <p:cond delay="indefinite"/>
-                      </p:stCondLst>
-                      <p:childTnLst>
-                        <p:par>
-                          <p:cTn id="4" fill="hold">
-                            <p:stCondLst>
-                              <p:cond delay="0"/>
-                            </p:stCondLst>
-                            <p:childTnLst>
-                              <p:par>
-                                <p:cTn id="5" presetID="1" presetClass="entr" presetSubtype="0" fill="hold" nodeType="clickEffect">
-                                  <p:stCondLst>
-                                    <p:cond delay="0"/>
-                                  </p:stCondLst>
-                                  <p:childTnLst>
-                                    <p:set>
-                                      <p:cBhvr>
-                                        <p:cTn id="6" dur="1" fill="hold">
-                                          <p:stCondLst>
-                                            <p:cond delay="0"/>
-                                          </p:stCondLst>
-                                        </p:cTn>
-                                        <p:tgtEl>
-                                          <p:spTgt spid="4"/>
-                                        </p:tgtEl>
-                                        <p:attrNameLst>
-                                          <p:attrName>style.visibility</p:attrName>
-                                        </p:attrNameLst>
-                                      </p:cBhvr>
-                                      <p:to>
-                                        <p:strVal val="visible"/>
-                                      </p:to>
-                                    </p:set>
-                                  </p:childTnLst>
-                                </p:cTn>
-                              </p:par>
-                            </p:childTnLst>
-                          </p:cTn>
-                        </p:par>
-                      </p:childTnLst>
-                    </p:cTn>
-                  </p:par>
-                </p:childTnLst>
-              </p:cTn>
-              <p:prevCondLst>
-                <p:cond evt="onPrev" delay="0">
-                  <p:tgtEl>
-                    <p:sldTgt/>
-                  </p:tgtEl>
-                </p:cond>
-              </p:prevCondLst>
-              <p:nextCondLst>
-                <p:cond evt="onNext" delay="0">
-                  <p:tgtEl>
-                    <p:sldTgt/>
-                  </p:tgtEl>
-                </p:cond>
-              </p:nextCondLst>
-            </p:seq>
-          </p:childTnLst>
-        </p:cTn>
-      </p:par>
-    </p:tnLst>
-  </p:timing>
-</p:sld>
-</file>
-
-<file path=ppt/slides/slide16.xml><?xml version="1.0" encoding="utf-8"?>
-<p:sld xmlns:a="http://schemas.openxmlformats.org/drawingml/2006/main" xmlns:r="http://schemas.openxmlformats.org/officeDocument/2006/relationships" xmlns:p="http://schemas.openxmlformats.org/presentationml/2006/main">
-  <p:cSld>
-    <p:spTree>
-      <p:nvGrpSpPr>
-        <p:cNvPr id="1" name=""/>
-        <p:cNvGrpSpPr/>
-        <p:nvPr/>
-      </p:nvGrpSpPr>
-      <p:grpSpPr>
-        <a:xfrm>
-          <a:off x="0" y="0"/>
-          <a:ext cx="0" cy="0"/>
-          <a:chOff x="0" y="0"/>
-          <a:chExt cx="0" cy="0"/>
-        </a:xfrm>
-      </p:grpSpPr>
-      <p:sp>
-        <p:nvSpPr>
-          <p:cNvPr id="18435" name="Rectangle 2"/>
-          <p:cNvSpPr>
-            <a:spLocks noChangeArrowheads="1"/>
-          </p:cNvSpPr>
-          <p:nvPr/>
-        </p:nvSpPr>
-        <p:spPr bwMode="auto">
-          <a:xfrm>
-            <a:off x="457200" y="-76200"/>
-            <a:ext cx="8229600" cy="1143000"/>
-          </a:xfrm>
-          <a:prstGeom prst="rect">
-            <a:avLst/>
-          </a:prstGeom>
-          <a:noFill/>
-          <a:ln w="9525">
-            <a:noFill/>
-            <a:miter lim="800000"/>
-            <a:headEnd/>
-            <a:tailEnd/>
-          </a:ln>
-        </p:spPr>
-        <p:txBody>
-          <a:bodyPr anchor="ctr"/>
-          <a:lstStyle/>
-          <a:p>
-            <a:pPr algn="ctr"/>
-            <a:r>
-              <a:rPr lang="en-US" sz="4400" dirty="0">
-                <a:solidFill>
-                  <a:srgbClr val="CC0000"/>
-                </a:solidFill>
-                <a:latin typeface="Times New Roman" pitchFamily="18" charset="0"/>
-                <a:cs typeface="Times New Roman" pitchFamily="18" charset="0"/>
-              </a:rPr>
-              <a:t>Execution Example</a:t>
-            </a:r>
-          </a:p>
-        </p:txBody>
-      </p:sp>
-      <p:pic>
-        <p:nvPicPr>
-          <p:cNvPr id="5" name="תמונה 4">
-            <a:extLst>
-              <a:ext uri="{FF2B5EF4-FFF2-40B4-BE49-F238E27FC236}">
-                <a16:creationId xmlns:a16="http://schemas.microsoft.com/office/drawing/2014/main" id="{0D4767C1-6097-4A97-8EC6-467A82C13AFE}"/>
-              </a:ext>
-            </a:extLst>
-          </p:cNvPr>
-          <p:cNvPicPr>
-            <a:picLocks noChangeAspect="1"/>
-          </p:cNvPicPr>
-          <p:nvPr/>
-        </p:nvPicPr>
-        <p:blipFill>
-          <a:blip r:embed="rId2"/>
-          <a:stretch>
-            <a:fillRect/>
-          </a:stretch>
-        </p:blipFill>
-        <p:spPr>
-          <a:xfrm>
-            <a:off x="633412" y="1433512"/>
-            <a:ext cx="7877175" cy="3990975"/>
-          </a:xfrm>
-          <a:prstGeom prst="rect">
-            <a:avLst/>
-          </a:prstGeom>
-        </p:spPr>
-      </p:pic>
-    </p:spTree>
-    <p:extLst>
-      <p:ext uri="{BB962C8B-B14F-4D97-AF65-F5344CB8AC3E}">
-        <p14:creationId xmlns:p14="http://schemas.microsoft.com/office/powerpoint/2010/main" val="261604450"/>
-      </p:ext>
-    </p:extLst>
-  </p:cSld>
-  <p:clrMapOvr>
-    <a:masterClrMapping/>
-  </p:clrMapOvr>
-</p:sld>
-</file>
-
-<file path=ppt/slides/slide17.xml><?xml version="1.0" encoding="utf-8"?>
-<p:sld xmlns:a="http://schemas.openxmlformats.org/drawingml/2006/main" xmlns:r="http://schemas.openxmlformats.org/officeDocument/2006/relationships" xmlns:p="http://schemas.openxmlformats.org/presentationml/2006/main">
-  <p:cSld>
-    <p:spTree>
-      <p:nvGrpSpPr>
-        <p:cNvPr id="1" name=""/>
-        <p:cNvGrpSpPr/>
-        <p:nvPr/>
-      </p:nvGrpSpPr>
-      <p:grpSpPr>
-        <a:xfrm>
-          <a:off x="0" y="0"/>
-          <a:ext cx="0" cy="0"/>
-          <a:chOff x="0" y="0"/>
-          <a:chExt cx="0" cy="0"/>
-        </a:xfrm>
-      </p:grpSpPr>
-      <p:sp>
-        <p:nvSpPr>
-          <p:cNvPr id="18435" name="Rectangle 2"/>
-          <p:cNvSpPr>
-            <a:spLocks noChangeArrowheads="1"/>
-          </p:cNvSpPr>
-          <p:nvPr/>
-        </p:nvSpPr>
-        <p:spPr bwMode="auto">
-          <a:xfrm>
-            <a:off x="457200" y="-76200"/>
-            <a:ext cx="8229600" cy="1143000"/>
-          </a:xfrm>
-          <a:prstGeom prst="rect">
-            <a:avLst/>
-          </a:prstGeom>
-          <a:noFill/>
-          <a:ln w="9525">
-            <a:noFill/>
-            <a:miter lim="800000"/>
-            <a:headEnd/>
-            <a:tailEnd/>
-          </a:ln>
-        </p:spPr>
-        <p:txBody>
-          <a:bodyPr anchor="ctr"/>
-          <a:lstStyle/>
-          <a:p>
-            <a:pPr algn="ctr"/>
-            <a:r>
-              <a:rPr lang="en-US" sz="4400" dirty="0">
-                <a:solidFill>
-                  <a:srgbClr val="CC0000"/>
-                </a:solidFill>
-                <a:latin typeface="Times New Roman" pitchFamily="18" charset="0"/>
-                <a:cs typeface="Times New Roman" pitchFamily="18" charset="0"/>
-              </a:rPr>
-              <a:t>Results</a:t>
-            </a:r>
-          </a:p>
-        </p:txBody>
-      </p:sp>
-      <p:pic>
-        <p:nvPicPr>
-          <p:cNvPr id="2" name="Picture 1"/>
-          <p:cNvPicPr>
-            <a:picLocks noChangeAspect="1"/>
-          </p:cNvPicPr>
-          <p:nvPr/>
-        </p:nvPicPr>
-        <p:blipFill>
-          <a:blip r:embed="rId2"/>
-          <a:stretch>
-            <a:fillRect/>
-          </a:stretch>
-        </p:blipFill>
-        <p:spPr>
-          <a:xfrm>
-            <a:off x="91440" y="2971800"/>
-            <a:ext cx="8961120" cy="990440"/>
-          </a:xfrm>
-          <a:prstGeom prst="rect">
-            <a:avLst/>
-          </a:prstGeom>
-        </p:spPr>
-      </p:pic>
-    </p:spTree>
-    <p:extLst>
-      <p:ext uri="{BB962C8B-B14F-4D97-AF65-F5344CB8AC3E}">
-        <p14:creationId xmlns:p14="http://schemas.microsoft.com/office/powerpoint/2010/main" val="137661221"/>
-      </p:ext>
-    </p:extLst>
-  </p:cSld>
-  <p:clrMapOvr>
-    <a:masterClrMapping/>
-  </p:clrMapOvr>
-</p:sld>
-</file>
-
-<file path=ppt/slides/slide18.xml><?xml version="1.0" encoding="utf-8"?>
-<p:sld xmlns:a="http://schemas.openxmlformats.org/drawingml/2006/main" xmlns:r="http://schemas.openxmlformats.org/officeDocument/2006/relationships" xmlns:p="http://schemas.openxmlformats.org/presentationml/2006/main">
-  <p:cSld>
-    <p:spTree>
-      <p:nvGrpSpPr>
-        <p:cNvPr id="1" name=""/>
-        <p:cNvGrpSpPr/>
-        <p:nvPr/>
-      </p:nvGrpSpPr>
-      <p:grpSpPr>
-        <a:xfrm>
-          <a:off x="0" y="0"/>
-          <a:ext cx="0" cy="0"/>
-          <a:chOff x="0" y="0"/>
-          <a:chExt cx="0" cy="0"/>
-        </a:xfrm>
-      </p:grpSpPr>
-      <p:sp>
-        <p:nvSpPr>
           <p:cNvPr id="19459" name="Rectangle 2"/>
           <p:cNvSpPr>
             <a:spLocks noChangeArrowheads="1"/>
@@ -12583,7 +11852,7 @@
 </p:sld>
 </file>
 
-<file path=ppt/slides/slide19.xml><?xml version="1.0" encoding="utf-8"?>
+<file path=ppt/slides/slide16.xml><?xml version="1.0" encoding="utf-8"?>
 <p:sld xmlns:a="http://schemas.openxmlformats.org/drawingml/2006/main" xmlns:r="http://schemas.openxmlformats.org/officeDocument/2006/relationships" xmlns:p="http://schemas.openxmlformats.org/presentationml/2006/main">
   <p:cSld>
     <p:spTree>
@@ -12642,7 +11911,7 @@
                   <a:spcPct val="0"/>
                 </a:spcBef>
               </a:pPr>
-              <a:t>19</a:t>
+              <a:t>16</a:t>
             </a:fld>
             <a:endParaRPr lang="en-US" sz="1400">
               <a:cs typeface="Arial" pitchFamily="34" charset="0"/>
@@ -13474,6 +12743,682 @@
   <p:clrMapOvr>
     <a:masterClrMapping/>
   </p:clrMapOvr>
+</p:sld>
+</file>
+
+<file path=ppt/slides/slide17.xml><?xml version="1.0" encoding="utf-8"?>
+<p:sld xmlns:a="http://schemas.openxmlformats.org/drawingml/2006/main" xmlns:r="http://schemas.openxmlformats.org/officeDocument/2006/relationships" xmlns:p="http://schemas.openxmlformats.org/presentationml/2006/main">
+  <p:cSld>
+    <p:spTree>
+      <p:nvGrpSpPr>
+        <p:cNvPr id="1" name=""/>
+        <p:cNvGrpSpPr/>
+        <p:nvPr/>
+      </p:nvGrpSpPr>
+      <p:grpSpPr>
+        <a:xfrm>
+          <a:off x="0" y="0"/>
+          <a:ext cx="0" cy="0"/>
+          <a:chOff x="0" y="0"/>
+          <a:chExt cx="0" cy="0"/>
+        </a:xfrm>
+      </p:grpSpPr>
+      <p:pic>
+        <p:nvPicPr>
+          <p:cNvPr id="2" name="Picture 1"/>
+          <p:cNvPicPr>
+            <a:picLocks noChangeAspect="1"/>
+          </p:cNvPicPr>
+          <p:nvPr/>
+        </p:nvPicPr>
+        <p:blipFill>
+          <a:blip r:embed="rId2"/>
+          <a:stretch>
+            <a:fillRect/>
+          </a:stretch>
+        </p:blipFill>
+        <p:spPr>
+          <a:xfrm>
+            <a:off x="838200" y="131658"/>
+            <a:ext cx="7406640" cy="6650142"/>
+          </a:xfrm>
+          <a:prstGeom prst="rect">
+            <a:avLst/>
+          </a:prstGeom>
+        </p:spPr>
+      </p:pic>
+    </p:spTree>
+    <p:extLst>
+      <p:ext uri="{BB962C8B-B14F-4D97-AF65-F5344CB8AC3E}">
+        <p14:creationId xmlns:p14="http://schemas.microsoft.com/office/powerpoint/2010/main" val="1331931471"/>
+      </p:ext>
+    </p:extLst>
+  </p:cSld>
+  <p:clrMapOvr>
+    <a:masterClrMapping/>
+  </p:clrMapOvr>
+</p:sld>
+</file>
+
+<file path=ppt/slides/slide18.xml><?xml version="1.0" encoding="utf-8"?>
+<p:sld xmlns:a="http://schemas.openxmlformats.org/drawingml/2006/main" xmlns:r="http://schemas.openxmlformats.org/officeDocument/2006/relationships" xmlns:p="http://schemas.openxmlformats.org/presentationml/2006/main">
+  <p:cSld>
+    <p:spTree>
+      <p:nvGrpSpPr>
+        <p:cNvPr id="1" name=""/>
+        <p:cNvGrpSpPr/>
+        <p:nvPr/>
+      </p:nvGrpSpPr>
+      <p:grpSpPr>
+        <a:xfrm>
+          <a:off x="0" y="0"/>
+          <a:ext cx="0" cy="0"/>
+          <a:chOff x="0" y="0"/>
+          <a:chExt cx="0" cy="0"/>
+        </a:xfrm>
+      </p:grpSpPr>
+      <p:pic>
+        <p:nvPicPr>
+          <p:cNvPr id="3" name="Picture 2"/>
+          <p:cNvPicPr>
+            <a:picLocks noChangeAspect="1"/>
+          </p:cNvPicPr>
+          <p:nvPr/>
+        </p:nvPicPr>
+        <p:blipFill>
+          <a:blip r:embed="rId2"/>
+          <a:stretch>
+            <a:fillRect/>
+          </a:stretch>
+        </p:blipFill>
+        <p:spPr>
+          <a:xfrm>
+            <a:off x="1981200" y="1981200"/>
+            <a:ext cx="5486400" cy="2771676"/>
+          </a:xfrm>
+          <a:prstGeom prst="rect">
+            <a:avLst/>
+          </a:prstGeom>
+        </p:spPr>
+      </p:pic>
+      <p:sp>
+        <p:nvSpPr>
+          <p:cNvPr id="4" name="Rectangle 2"/>
+          <p:cNvSpPr>
+            <a:spLocks noChangeArrowheads="1"/>
+          </p:cNvSpPr>
+          <p:nvPr/>
+        </p:nvSpPr>
+        <p:spPr bwMode="auto">
+          <a:xfrm>
+            <a:off x="457200" y="-76200"/>
+            <a:ext cx="8229600" cy="1143000"/>
+          </a:xfrm>
+          <a:prstGeom prst="rect">
+            <a:avLst/>
+          </a:prstGeom>
+          <a:noFill/>
+          <a:ln w="9525">
+            <a:noFill/>
+            <a:miter lim="800000"/>
+            <a:headEnd/>
+            <a:tailEnd/>
+          </a:ln>
+        </p:spPr>
+        <p:txBody>
+          <a:bodyPr anchor="ctr"/>
+          <a:lstStyle/>
+          <a:p>
+            <a:pPr algn="ctr"/>
+            <a:r>
+              <a:rPr lang="en-US" sz="4400" dirty="0">
+                <a:solidFill>
+                  <a:srgbClr val="CC0000"/>
+                </a:solidFill>
+                <a:latin typeface="Times New Roman" pitchFamily="18" charset="0"/>
+                <a:cs typeface="Times New Roman" pitchFamily="18" charset="0"/>
+              </a:rPr>
+              <a:t>Testing..</a:t>
+            </a:r>
+          </a:p>
+        </p:txBody>
+      </p:sp>
+    </p:spTree>
+    <p:extLst>
+      <p:ext uri="{BB962C8B-B14F-4D97-AF65-F5344CB8AC3E}">
+        <p14:creationId xmlns:p14="http://schemas.microsoft.com/office/powerpoint/2010/main" val="1486029826"/>
+      </p:ext>
+    </p:extLst>
+  </p:cSld>
+  <p:clrMapOvr>
+    <a:masterClrMapping/>
+  </p:clrMapOvr>
+</p:sld>
+</file>
+
+<file path=ppt/slides/slide19.xml><?xml version="1.0" encoding="utf-8"?>
+<p:sld xmlns:a="http://schemas.openxmlformats.org/drawingml/2006/main" xmlns:r="http://schemas.openxmlformats.org/officeDocument/2006/relationships" xmlns:p="http://schemas.openxmlformats.org/presentationml/2006/main">
+  <p:cSld>
+    <p:spTree>
+      <p:nvGrpSpPr>
+        <p:cNvPr id="1" name=""/>
+        <p:cNvGrpSpPr/>
+        <p:nvPr/>
+      </p:nvGrpSpPr>
+      <p:grpSpPr>
+        <a:xfrm>
+          <a:off x="0" y="0"/>
+          <a:ext cx="0" cy="0"/>
+          <a:chOff x="0" y="0"/>
+          <a:chExt cx="0" cy="0"/>
+        </a:xfrm>
+      </p:grpSpPr>
+      <p:sp>
+        <p:nvSpPr>
+          <p:cNvPr id="19459" name="Rectangle 2"/>
+          <p:cNvSpPr>
+            <a:spLocks noChangeArrowheads="1"/>
+          </p:cNvSpPr>
+          <p:nvPr/>
+        </p:nvSpPr>
+        <p:spPr bwMode="auto">
+          <a:xfrm>
+            <a:off x="457200" y="-76200"/>
+            <a:ext cx="8229600" cy="1143000"/>
+          </a:xfrm>
+          <a:prstGeom prst="rect">
+            <a:avLst/>
+          </a:prstGeom>
+          <a:noFill/>
+          <a:ln w="9525">
+            <a:noFill/>
+            <a:miter lim="800000"/>
+            <a:headEnd/>
+            <a:tailEnd/>
+          </a:ln>
+        </p:spPr>
+        <p:txBody>
+          <a:bodyPr anchor="ctr"/>
+          <a:lstStyle/>
+          <a:p>
+            <a:pPr algn="ctr"/>
+            <a:r>
+              <a:rPr lang="en-US" sz="4400" dirty="0">
+                <a:solidFill>
+                  <a:srgbClr val="CC0000"/>
+                </a:solidFill>
+                <a:latin typeface="Times New Roman" pitchFamily="18" charset="0"/>
+                <a:cs typeface="Times New Roman" pitchFamily="18" charset="0"/>
+              </a:rPr>
+              <a:t>Exercises</a:t>
+            </a:r>
+          </a:p>
+        </p:txBody>
+      </p:sp>
+      <p:sp>
+        <p:nvSpPr>
+          <p:cNvPr id="19460" name="Oval 4"/>
+          <p:cNvSpPr>
+            <a:spLocks noChangeArrowheads="1"/>
+          </p:cNvSpPr>
+          <p:nvPr/>
+        </p:nvSpPr>
+        <p:spPr bwMode="auto">
+          <a:xfrm>
+            <a:off x="1828800" y="3962400"/>
+            <a:ext cx="3657600" cy="838200"/>
+          </a:xfrm>
+          <a:prstGeom prst="ellipse">
+            <a:avLst/>
+          </a:prstGeom>
+          <a:noFill/>
+          <a:ln w="9525" algn="ctr">
+            <a:noFill/>
+            <a:round/>
+            <a:headEnd/>
+            <a:tailEnd/>
+          </a:ln>
+        </p:spPr>
+        <p:txBody>
+          <a:bodyPr wrap="none" anchor="ctr">
+            <a:spAutoFit/>
+          </a:bodyPr>
+          <a:lstStyle/>
+          <a:p>
+            <a:endParaRPr lang="he-IL"/>
+          </a:p>
+        </p:txBody>
+      </p:sp>
+      <p:sp>
+        <p:nvSpPr>
+          <p:cNvPr id="19461" name="Oval 5"/>
+          <p:cNvSpPr>
+            <a:spLocks noChangeArrowheads="1"/>
+          </p:cNvSpPr>
+          <p:nvPr/>
+        </p:nvSpPr>
+        <p:spPr bwMode="auto">
+          <a:xfrm>
+            <a:off x="1905000" y="4038600"/>
+            <a:ext cx="3962400" cy="1066800"/>
+          </a:xfrm>
+          <a:prstGeom prst="ellipse">
+            <a:avLst/>
+          </a:prstGeom>
+          <a:noFill/>
+          <a:ln w="9525" algn="ctr">
+            <a:noFill/>
+            <a:round/>
+            <a:headEnd/>
+            <a:tailEnd/>
+          </a:ln>
+        </p:spPr>
+        <p:txBody>
+          <a:bodyPr wrap="none" anchor="ctr">
+            <a:spAutoFit/>
+          </a:bodyPr>
+          <a:lstStyle/>
+          <a:p>
+            <a:endParaRPr lang="he-IL"/>
+          </a:p>
+        </p:txBody>
+      </p:sp>
+      <p:sp>
+        <p:nvSpPr>
+          <p:cNvPr id="19462" name="Rectangle 3"/>
+          <p:cNvSpPr>
+            <a:spLocks noChangeArrowheads="1"/>
+          </p:cNvSpPr>
+          <p:nvPr/>
+        </p:nvSpPr>
+        <p:spPr bwMode="auto">
+          <a:xfrm>
+            <a:off x="152400" y="1066800"/>
+            <a:ext cx="8229600" cy="4953000"/>
+          </a:xfrm>
+          <a:prstGeom prst="rect">
+            <a:avLst/>
+          </a:prstGeom>
+          <a:noFill/>
+          <a:ln w="9525">
+            <a:noFill/>
+            <a:miter lim="800000"/>
+            <a:headEnd/>
+            <a:tailEnd/>
+          </a:ln>
+        </p:spPr>
+        <p:txBody>
+          <a:bodyPr/>
+          <a:lstStyle/>
+          <a:p>
+            <a:pPr marL="357188" indent="-357188">
+              <a:spcBef>
+                <a:spcPct val="20000"/>
+              </a:spcBef>
+              <a:spcAft>
+                <a:spcPts val="600"/>
+              </a:spcAft>
+              <a:buFontTx/>
+              <a:buChar char="•"/>
+            </a:pPr>
+            <a:r>
+              <a:rPr lang="en-US" sz="3200" dirty="0">
+                <a:solidFill>
+                  <a:srgbClr val="003399"/>
+                </a:solidFill>
+                <a:latin typeface="Times New Roman" pitchFamily="18" charset="0"/>
+                <a:cs typeface="Times New Roman" pitchFamily="18" charset="0"/>
+              </a:rPr>
+              <a:t>Write a function called </a:t>
+            </a:r>
+            <a:r>
+              <a:rPr lang="en-US" sz="3200" dirty="0" err="1">
+                <a:solidFill>
+                  <a:srgbClr val="003399"/>
+                </a:solidFill>
+                <a:latin typeface="Times New Roman" pitchFamily="18" charset="0"/>
+                <a:cs typeface="Times New Roman" pitchFamily="18" charset="0"/>
+              </a:rPr>
+              <a:t>findDigit</a:t>
+            </a:r>
+            <a:r>
+              <a:rPr lang="en-US" sz="3200" dirty="0">
+                <a:solidFill>
+                  <a:srgbClr val="003399"/>
+                </a:solidFill>
+                <a:latin typeface="Times New Roman" pitchFamily="18" charset="0"/>
+                <a:cs typeface="Times New Roman" pitchFamily="18" charset="0"/>
+              </a:rPr>
+              <a:t>, which receives an Israeli ID as input, without the control digit, and prints the control digit</a:t>
+            </a:r>
+          </a:p>
+          <a:p>
+            <a:pPr marL="814388" lvl="1" indent="-357188">
+              <a:spcBef>
+                <a:spcPct val="20000"/>
+              </a:spcBef>
+              <a:spcAft>
+                <a:spcPts val="600"/>
+              </a:spcAft>
+              <a:buFontTx/>
+              <a:buChar char="•"/>
+            </a:pPr>
+            <a:r>
+              <a:rPr lang="en-US" sz="3200" dirty="0">
+                <a:solidFill>
+                  <a:srgbClr val="003399"/>
+                </a:solidFill>
+                <a:latin typeface="Times New Roman" pitchFamily="18" charset="0"/>
+                <a:cs typeface="Times New Roman" pitchFamily="18" charset="0"/>
+              </a:rPr>
+              <a:t>Use validate </a:t>
+            </a:r>
+            <a:r>
+              <a:rPr lang="en-US" sz="3200" b="1" dirty="0">
+                <a:solidFill>
+                  <a:srgbClr val="003399"/>
+                </a:solidFill>
+                <a:latin typeface="Times New Roman" pitchFamily="18" charset="0"/>
+                <a:cs typeface="Times New Roman" pitchFamily="18" charset="0"/>
+              </a:rPr>
+              <a:t>control digit</a:t>
+            </a:r>
+          </a:p>
+          <a:p>
+            <a:pPr marL="814388" lvl="1" indent="-357188">
+              <a:spcBef>
+                <a:spcPct val="20000"/>
+              </a:spcBef>
+              <a:spcAft>
+                <a:spcPts val="600"/>
+              </a:spcAft>
+              <a:buFontTx/>
+              <a:buChar char="•"/>
+            </a:pPr>
+            <a:endParaRPr lang="en-US" sz="3200" b="1" dirty="0">
+              <a:solidFill>
+                <a:srgbClr val="003399"/>
+              </a:solidFill>
+              <a:latin typeface="Times New Roman" pitchFamily="18" charset="0"/>
+              <a:cs typeface="Times New Roman" pitchFamily="18" charset="0"/>
+            </a:endParaRPr>
+          </a:p>
+          <a:p>
+            <a:pPr marL="357188" indent="-357188">
+              <a:spcBef>
+                <a:spcPct val="20000"/>
+              </a:spcBef>
+              <a:spcAft>
+                <a:spcPts val="600"/>
+              </a:spcAft>
+              <a:buFontTx/>
+              <a:buChar char="•"/>
+            </a:pPr>
+            <a:r>
+              <a:rPr lang="en-US" sz="3200" dirty="0">
+                <a:solidFill>
+                  <a:srgbClr val="003399"/>
+                </a:solidFill>
+                <a:latin typeface="Times New Roman" pitchFamily="18" charset="0"/>
+                <a:cs typeface="Times New Roman" pitchFamily="18" charset="0"/>
+              </a:rPr>
+              <a:t>Write a function called </a:t>
+            </a:r>
+            <a:r>
+              <a:rPr lang="en-US" sz="3200" dirty="0" err="1">
+                <a:solidFill>
+                  <a:srgbClr val="003399"/>
+                </a:solidFill>
+                <a:latin typeface="Times New Roman" pitchFamily="18" charset="0"/>
+                <a:cs typeface="Times New Roman" pitchFamily="18" charset="0"/>
+              </a:rPr>
+              <a:t>findAllDigits</a:t>
+            </a:r>
+            <a:r>
+              <a:rPr lang="en-US" sz="3200" dirty="0">
+                <a:solidFill>
+                  <a:srgbClr val="003399"/>
+                </a:solidFill>
+                <a:latin typeface="Times New Roman" pitchFamily="18" charset="0"/>
+                <a:cs typeface="Times New Roman" pitchFamily="18" charset="0"/>
+              </a:rPr>
+              <a:t>, which receives as input </a:t>
+            </a:r>
+            <a:r>
+              <a:rPr lang="en-US" sz="3200" dirty="0">
+                <a:solidFill>
+                  <a:srgbClr val="FF0000"/>
+                </a:solidFill>
+                <a:latin typeface="Times New Roman" pitchFamily="18" charset="0"/>
+                <a:cs typeface="Times New Roman" pitchFamily="18" charset="0"/>
+              </a:rPr>
+              <a:t>an</a:t>
+            </a:r>
+            <a:r>
+              <a:rPr lang="en-US" sz="3200" dirty="0">
+                <a:solidFill>
+                  <a:srgbClr val="003399"/>
+                </a:solidFill>
+                <a:latin typeface="Times New Roman" pitchFamily="18" charset="0"/>
+                <a:cs typeface="Times New Roman" pitchFamily="18" charset="0"/>
+              </a:rPr>
+              <a:t> </a:t>
+            </a:r>
+            <a:r>
+              <a:rPr lang="en-US" sz="3200" dirty="0">
+                <a:solidFill>
+                  <a:srgbClr val="FF0000"/>
+                </a:solidFill>
+                <a:latin typeface="Times New Roman" pitchFamily="18" charset="0"/>
+                <a:cs typeface="Times New Roman" pitchFamily="18" charset="0"/>
+              </a:rPr>
+              <a:t>array </a:t>
+            </a:r>
+            <a:r>
+              <a:rPr lang="en-US" sz="3200" dirty="0">
+                <a:solidFill>
+                  <a:srgbClr val="003399"/>
+                </a:solidFill>
+                <a:latin typeface="Times New Roman" pitchFamily="18" charset="0"/>
+                <a:cs typeface="Times New Roman" pitchFamily="18" charset="0"/>
+              </a:rPr>
+              <a:t>of IDs </a:t>
+            </a:r>
+            <a:r>
+              <a:rPr lang="en-US" sz="3200" b="1" dirty="0">
+                <a:solidFill>
+                  <a:srgbClr val="003399"/>
+                </a:solidFill>
+                <a:latin typeface="Times New Roman" pitchFamily="18" charset="0"/>
+                <a:cs typeface="Times New Roman" pitchFamily="18" charset="0"/>
+              </a:rPr>
+              <a:t>without</a:t>
+            </a:r>
+            <a:r>
+              <a:rPr lang="en-US" sz="3200" dirty="0">
+                <a:solidFill>
+                  <a:srgbClr val="003399"/>
+                </a:solidFill>
+                <a:latin typeface="Times New Roman" pitchFamily="18" charset="0"/>
+                <a:cs typeface="Times New Roman" pitchFamily="18" charset="0"/>
+              </a:rPr>
+              <a:t> digits, and writes all IDs </a:t>
+            </a:r>
+          </a:p>
+        </p:txBody>
+      </p:sp>
+    </p:spTree>
+    <p:extLst>
+      <p:ext uri="{BB962C8B-B14F-4D97-AF65-F5344CB8AC3E}">
+        <p14:creationId xmlns:p14="http://schemas.microsoft.com/office/powerpoint/2010/main" val="3514869744"/>
+      </p:ext>
+    </p:extLst>
+  </p:cSld>
+  <p:clrMapOvr>
+    <a:masterClrMapping/>
+  </p:clrMapOvr>
+  <p:timing>
+    <p:tnLst>
+      <p:par>
+        <p:cTn id="1" dur="indefinite" restart="never" nodeType="tmRoot">
+          <p:childTnLst>
+            <p:seq concurrent="1" nextAc="seek">
+              <p:cTn id="2" dur="indefinite" nodeType="mainSeq">
+                <p:childTnLst>
+                  <p:par>
+                    <p:cTn id="3" fill="hold">
+                      <p:stCondLst>
+                        <p:cond delay="indefinite"/>
+                      </p:stCondLst>
+                      <p:childTnLst>
+                        <p:par>
+                          <p:cTn id="4" fill="hold">
+                            <p:stCondLst>
+                              <p:cond delay="0"/>
+                            </p:stCondLst>
+                            <p:childTnLst>
+                              <p:par>
+                                <p:cTn id="5" presetID="1" presetClass="entr" presetSubtype="0" fill="hold" grpId="0" nodeType="clickEffect">
+                                  <p:stCondLst>
+                                    <p:cond delay="0"/>
+                                  </p:stCondLst>
+                                  <p:childTnLst>
+                                    <p:set>
+                                      <p:cBhvr>
+                                        <p:cTn id="6" dur="1" fill="hold">
+                                          <p:stCondLst>
+                                            <p:cond delay="0"/>
+                                          </p:stCondLst>
+                                        </p:cTn>
+                                        <p:tgtEl>
+                                          <p:spTgt spid="19462">
+                                            <p:txEl>
+                                              <p:pRg st="0" end="0"/>
+                                            </p:txEl>
+                                          </p:spTgt>
+                                        </p:tgtEl>
+                                        <p:attrNameLst>
+                                          <p:attrName>style.visibility</p:attrName>
+                                        </p:attrNameLst>
+                                      </p:cBhvr>
+                                      <p:to>
+                                        <p:strVal val="visible"/>
+                                      </p:to>
+                                    </p:set>
+                                  </p:childTnLst>
+                                </p:cTn>
+                              </p:par>
+                              <p:par>
+                                <p:cTn id="7" presetID="1" presetClass="entr" presetSubtype="0" fill="hold" grpId="0" nodeType="withEffect">
+                                  <p:stCondLst>
+                                    <p:cond delay="0"/>
+                                  </p:stCondLst>
+                                  <p:childTnLst>
+                                    <p:set>
+                                      <p:cBhvr>
+                                        <p:cTn id="8" dur="1" fill="hold">
+                                          <p:stCondLst>
+                                            <p:cond delay="0"/>
+                                          </p:stCondLst>
+                                        </p:cTn>
+                                        <p:tgtEl>
+                                          <p:spTgt spid="19462">
+                                            <p:txEl>
+                                              <p:pRg st="1" end="1"/>
+                                            </p:txEl>
+                                          </p:spTgt>
+                                        </p:tgtEl>
+                                        <p:attrNameLst>
+                                          <p:attrName>style.visibility</p:attrName>
+                                        </p:attrNameLst>
+                                      </p:cBhvr>
+                                      <p:to>
+                                        <p:strVal val="visible"/>
+                                      </p:to>
+                                    </p:set>
+                                  </p:childTnLst>
+                                </p:cTn>
+                              </p:par>
+                            </p:childTnLst>
+                          </p:cTn>
+                        </p:par>
+                      </p:childTnLst>
+                    </p:cTn>
+                  </p:par>
+                  <p:par>
+                    <p:cTn id="9" fill="hold">
+                      <p:stCondLst>
+                        <p:cond delay="indefinite"/>
+                      </p:stCondLst>
+                      <p:childTnLst>
+                        <p:par>
+                          <p:cTn id="10" fill="hold">
+                            <p:stCondLst>
+                              <p:cond delay="0"/>
+                            </p:stCondLst>
+                            <p:childTnLst>
+                              <p:par>
+                                <p:cTn id="11" presetID="1" presetClass="entr" presetSubtype="0" fill="hold" grpId="0" nodeType="clickEffect">
+                                  <p:stCondLst>
+                                    <p:cond delay="0"/>
+                                  </p:stCondLst>
+                                  <p:childTnLst>
+                                    <p:set>
+                                      <p:cBhvr>
+                                        <p:cTn id="12" dur="1" fill="hold">
+                                          <p:stCondLst>
+                                            <p:cond delay="0"/>
+                                          </p:stCondLst>
+                                        </p:cTn>
+                                        <p:tgtEl>
+                                          <p:spTgt spid="19462">
+                                            <p:txEl>
+                                              <p:pRg st="3" end="3"/>
+                                            </p:txEl>
+                                          </p:spTgt>
+                                        </p:tgtEl>
+                                        <p:attrNameLst>
+                                          <p:attrName>style.visibility</p:attrName>
+                                        </p:attrNameLst>
+                                      </p:cBhvr>
+                                      <p:to>
+                                        <p:strVal val="visible"/>
+                                      </p:to>
+                                    </p:set>
+                                  </p:childTnLst>
+                                </p:cTn>
+                              </p:par>
+                            </p:childTnLst>
+                          </p:cTn>
+                        </p:par>
+                      </p:childTnLst>
+                    </p:cTn>
+                  </p:par>
+                </p:childTnLst>
+              </p:cTn>
+              <p:prevCondLst>
+                <p:cond evt="onPrev" delay="0">
+                  <p:tgtEl>
+                    <p:sldTgt/>
+                  </p:tgtEl>
+                </p:cond>
+              </p:prevCondLst>
+              <p:nextCondLst>
+                <p:cond evt="onNext" delay="0">
+                  <p:tgtEl>
+                    <p:sldTgt/>
+                  </p:tgtEl>
+                </p:cond>
+              </p:nextCondLst>
+            </p:seq>
+          </p:childTnLst>
+        </p:cTn>
+      </p:par>
+    </p:tnLst>
+    <p:bldLst>
+      <p:bldP spid="19462" grpId="0" build="p"/>
+    </p:bldLst>
+  </p:timing>
 </p:sld>
 </file>
 
@@ -13795,156 +13740,6 @@
           <a:chExt cx="0" cy="0"/>
         </a:xfrm>
       </p:grpSpPr>
-      <p:pic>
-        <p:nvPicPr>
-          <p:cNvPr id="2" name="Picture 1"/>
-          <p:cNvPicPr>
-            <a:picLocks noChangeAspect="1"/>
-          </p:cNvPicPr>
-          <p:nvPr/>
-        </p:nvPicPr>
-        <p:blipFill>
-          <a:blip r:embed="rId2"/>
-          <a:stretch>
-            <a:fillRect/>
-          </a:stretch>
-        </p:blipFill>
-        <p:spPr>
-          <a:xfrm>
-            <a:off x="838200" y="131658"/>
-            <a:ext cx="7406640" cy="6650142"/>
-          </a:xfrm>
-          <a:prstGeom prst="rect">
-            <a:avLst/>
-          </a:prstGeom>
-        </p:spPr>
-      </p:pic>
-    </p:spTree>
-    <p:extLst>
-      <p:ext uri="{BB962C8B-B14F-4D97-AF65-F5344CB8AC3E}">
-        <p14:creationId xmlns:p14="http://schemas.microsoft.com/office/powerpoint/2010/main" val="1331931471"/>
-      </p:ext>
-    </p:extLst>
-  </p:cSld>
-  <p:clrMapOvr>
-    <a:masterClrMapping/>
-  </p:clrMapOvr>
-</p:sld>
-</file>
-
-<file path=ppt/slides/slide21.xml><?xml version="1.0" encoding="utf-8"?>
-<p:sld xmlns:a="http://schemas.openxmlformats.org/drawingml/2006/main" xmlns:r="http://schemas.openxmlformats.org/officeDocument/2006/relationships" xmlns:p="http://schemas.openxmlformats.org/presentationml/2006/main">
-  <p:cSld>
-    <p:spTree>
-      <p:nvGrpSpPr>
-        <p:cNvPr id="1" name=""/>
-        <p:cNvGrpSpPr/>
-        <p:nvPr/>
-      </p:nvGrpSpPr>
-      <p:grpSpPr>
-        <a:xfrm>
-          <a:off x="0" y="0"/>
-          <a:ext cx="0" cy="0"/>
-          <a:chOff x="0" y="0"/>
-          <a:chExt cx="0" cy="0"/>
-        </a:xfrm>
-      </p:grpSpPr>
-      <p:pic>
-        <p:nvPicPr>
-          <p:cNvPr id="3" name="Picture 2"/>
-          <p:cNvPicPr>
-            <a:picLocks noChangeAspect="1"/>
-          </p:cNvPicPr>
-          <p:nvPr/>
-        </p:nvPicPr>
-        <p:blipFill>
-          <a:blip r:embed="rId2"/>
-          <a:stretch>
-            <a:fillRect/>
-          </a:stretch>
-        </p:blipFill>
-        <p:spPr>
-          <a:xfrm>
-            <a:off x="1981200" y="1981200"/>
-            <a:ext cx="5486400" cy="2771676"/>
-          </a:xfrm>
-          <a:prstGeom prst="rect">
-            <a:avLst/>
-          </a:prstGeom>
-        </p:spPr>
-      </p:pic>
-      <p:sp>
-        <p:nvSpPr>
-          <p:cNvPr id="4" name="Rectangle 2"/>
-          <p:cNvSpPr>
-            <a:spLocks noChangeArrowheads="1"/>
-          </p:cNvSpPr>
-          <p:nvPr/>
-        </p:nvSpPr>
-        <p:spPr bwMode="auto">
-          <a:xfrm>
-            <a:off x="457200" y="-76200"/>
-            <a:ext cx="8229600" cy="1143000"/>
-          </a:xfrm>
-          <a:prstGeom prst="rect">
-            <a:avLst/>
-          </a:prstGeom>
-          <a:noFill/>
-          <a:ln w="9525">
-            <a:noFill/>
-            <a:miter lim="800000"/>
-            <a:headEnd/>
-            <a:tailEnd/>
-          </a:ln>
-        </p:spPr>
-        <p:txBody>
-          <a:bodyPr anchor="ctr"/>
-          <a:lstStyle/>
-          <a:p>
-            <a:pPr algn="ctr"/>
-            <a:r>
-              <a:rPr lang="en-US" sz="4400" dirty="0">
-                <a:solidFill>
-                  <a:srgbClr val="CC0000"/>
-                </a:solidFill>
-                <a:latin typeface="Times New Roman" pitchFamily="18" charset="0"/>
-                <a:cs typeface="Times New Roman" pitchFamily="18" charset="0"/>
-              </a:rPr>
-              <a:t>Testing..</a:t>
-            </a:r>
-          </a:p>
-        </p:txBody>
-      </p:sp>
-    </p:spTree>
-    <p:extLst>
-      <p:ext uri="{BB962C8B-B14F-4D97-AF65-F5344CB8AC3E}">
-        <p14:creationId xmlns:p14="http://schemas.microsoft.com/office/powerpoint/2010/main" val="1486029826"/>
-      </p:ext>
-    </p:extLst>
-  </p:cSld>
-  <p:clrMapOvr>
-    <a:masterClrMapping/>
-  </p:clrMapOvr>
-</p:sld>
-</file>
-
-<file path=ppt/slides/slide22.xml><?xml version="1.0" encoding="utf-8"?>
-<p:sld xmlns:a="http://schemas.openxmlformats.org/drawingml/2006/main" xmlns:r="http://schemas.openxmlformats.org/officeDocument/2006/relationships" xmlns:p="http://schemas.openxmlformats.org/presentationml/2006/main">
-  <p:cSld>
-    <p:spTree>
-      <p:nvGrpSpPr>
-        <p:cNvPr id="1" name=""/>
-        <p:cNvGrpSpPr/>
-        <p:nvPr/>
-      </p:nvGrpSpPr>
-      <p:grpSpPr>
-        <a:xfrm>
-          <a:off x="0" y="0"/>
-          <a:ext cx="0" cy="0"/>
-          <a:chOff x="0" y="0"/>
-          <a:chExt cx="0" cy="0"/>
-        </a:xfrm>
-      </p:grpSpPr>
       <p:sp>
         <p:nvSpPr>
           <p:cNvPr id="21506" name="Slide Number Placeholder 5"/>
@@ -13987,7 +13782,7 @@
                   <a:spcPct val="0"/>
                 </a:spcBef>
               </a:pPr>
-              <a:t>22</a:t>
+              <a:t>20</a:t>
             </a:fld>
             <a:endParaRPr lang="en-US" sz="1400">
               <a:cs typeface="Arial" pitchFamily="34" charset="0"/>
@@ -14301,7 +14096,7 @@
 </p:sld>
 </file>
 
-<file path=ppt/slides/slide23.xml><?xml version="1.0" encoding="utf-8"?>
+<file path=ppt/slides/slide21.xml><?xml version="1.0" encoding="utf-8"?>
 <p:sld xmlns:a="http://schemas.openxmlformats.org/drawingml/2006/main" xmlns:r="http://schemas.openxmlformats.org/officeDocument/2006/relationships" xmlns:p="http://schemas.openxmlformats.org/presentationml/2006/main">
   <p:cSld>
     <p:spTree>
@@ -18378,7 +18173,7 @@
 </p:sld>
 </file>
 
-<file path=ppt/slides/slide24.xml><?xml version="1.0" encoding="utf-8"?>
+<file path=ppt/slides/slide22.xml><?xml version="1.0" encoding="utf-8"?>
 <p:sld xmlns:a="http://schemas.openxmlformats.org/drawingml/2006/main" xmlns:r="http://schemas.openxmlformats.org/officeDocument/2006/relationships" xmlns:p="http://schemas.openxmlformats.org/presentationml/2006/main">
   <p:cSld>
     <p:spTree>
@@ -23264,7 +23059,7 @@
 </p:sld>
 </file>
 
-<file path=ppt/slides/slide25.xml><?xml version="1.0" encoding="utf-8"?>
+<file path=ppt/slides/slide23.xml><?xml version="1.0" encoding="utf-8"?>
 <p:sld xmlns:a="http://schemas.openxmlformats.org/drawingml/2006/main" xmlns:r="http://schemas.openxmlformats.org/officeDocument/2006/relationships" xmlns:p="http://schemas.openxmlformats.org/presentationml/2006/main">
   <p:cSld>
     <p:spTree>
@@ -28111,7 +27906,7 @@
 </p:sld>
 </file>
 
-<file path=ppt/slides/slide26.xml><?xml version="1.0" encoding="utf-8"?>
+<file path=ppt/slides/slide24.xml><?xml version="1.0" encoding="utf-8"?>
 <p:sld xmlns:a="http://schemas.openxmlformats.org/drawingml/2006/main" xmlns:r="http://schemas.openxmlformats.org/officeDocument/2006/relationships" xmlns:p="http://schemas.openxmlformats.org/presentationml/2006/main">
   <p:cSld>
     <p:spTree>
@@ -32947,7 +32742,7 @@
 </p:sld>
 </file>
 
-<file path=ppt/slides/slide27.xml><?xml version="1.0" encoding="utf-8"?>
+<file path=ppt/slides/slide25.xml><?xml version="1.0" encoding="utf-8"?>
 <p:sld xmlns:a="http://schemas.openxmlformats.org/drawingml/2006/main" xmlns:r="http://schemas.openxmlformats.org/officeDocument/2006/relationships" xmlns:p="http://schemas.openxmlformats.org/presentationml/2006/main">
   <p:cSld>
     <p:spTree>
@@ -37817,7 +37612,7 @@
 </p:sld>
 </file>
 
-<file path=ppt/slides/slide28.xml><?xml version="1.0" encoding="utf-8"?>
+<file path=ppt/slides/slide26.xml><?xml version="1.0" encoding="utf-8"?>
 <p:sld xmlns:a="http://schemas.openxmlformats.org/drawingml/2006/main" xmlns:r="http://schemas.openxmlformats.org/officeDocument/2006/relationships" xmlns:p="http://schemas.openxmlformats.org/presentationml/2006/main">
   <p:cSld>
     <p:spTree>
@@ -37947,7 +37742,7 @@
 </p:sld>
 </file>
 
-<file path=ppt/slides/slide29.xml><?xml version="1.0" encoding="utf-8"?>
+<file path=ppt/slides/slide27.xml><?xml version="1.0" encoding="utf-8"?>
 <p:sld xmlns:a="http://schemas.openxmlformats.org/drawingml/2006/main" xmlns:r="http://schemas.openxmlformats.org/officeDocument/2006/relationships" xmlns:p="http://schemas.openxmlformats.org/presentationml/2006/main">
   <p:cSld>
     <p:spTree>
@@ -38275,373 +38070,7 @@
 </p:sld>
 </file>
 
-<file path=ppt/slides/slide3.xml><?xml version="1.0" encoding="utf-8"?>
-<p:sld xmlns:a="http://schemas.openxmlformats.org/drawingml/2006/main" xmlns:r="http://schemas.openxmlformats.org/officeDocument/2006/relationships" xmlns:p="http://schemas.openxmlformats.org/presentationml/2006/main">
-  <p:cSld>
-    <p:spTree>
-      <p:nvGrpSpPr>
-        <p:cNvPr id="1" name=""/>
-        <p:cNvGrpSpPr/>
-        <p:nvPr/>
-      </p:nvGrpSpPr>
-      <p:grpSpPr>
-        <a:xfrm>
-          <a:off x="0" y="0"/>
-          <a:ext cx="0" cy="0"/>
-          <a:chOff x="0" y="0"/>
-          <a:chExt cx="0" cy="0"/>
-        </a:xfrm>
-      </p:grpSpPr>
-      <p:sp>
-        <p:nvSpPr>
-          <p:cNvPr id="14338" name="Slide Number Placeholder 5"/>
-          <p:cNvSpPr txBox="1">
-            <a:spLocks noGrp="1"/>
-          </p:cNvSpPr>
-          <p:nvPr/>
-        </p:nvSpPr>
-        <p:spPr bwMode="auto">
-          <a:xfrm>
-            <a:off x="6553200" y="6400800"/>
-            <a:ext cx="2133600" cy="228600"/>
-          </a:xfrm>
-          <a:prstGeom prst="rect">
-            <a:avLst/>
-          </a:prstGeom>
-          <a:noFill/>
-          <a:ln w="9525">
-            <a:noFill/>
-            <a:miter lim="800000"/>
-            <a:headEnd/>
-            <a:tailEnd/>
-          </a:ln>
-        </p:spPr>
-        <p:txBody>
-          <a:bodyPr/>
-          <a:lstStyle/>
-          <a:p>
-            <a:pPr algn="r">
-              <a:spcBef>
-                <a:spcPct val="0"/>
-              </a:spcBef>
-            </a:pPr>
-            <a:fld id="{F021D73E-BE5B-409E-9BD3-15F894D58A12}" type="slidenum">
-              <a:rPr lang="he-IL" sz="1400">
-                <a:cs typeface="Arial" pitchFamily="34" charset="0"/>
-              </a:rPr>
-              <a:pPr algn="r">
-                <a:spcBef>
-                  <a:spcPct val="0"/>
-                </a:spcBef>
-              </a:pPr>
-              <a:t>3</a:t>
-            </a:fld>
-            <a:endParaRPr lang="en-US" sz="1400">
-              <a:cs typeface="Arial" pitchFamily="34" charset="0"/>
-            </a:endParaRPr>
-          </a:p>
-        </p:txBody>
-      </p:sp>
-      <p:sp>
-        <p:nvSpPr>
-          <p:cNvPr id="14339" name="Rectangle 2"/>
-          <p:cNvSpPr>
-            <a:spLocks noChangeArrowheads="1"/>
-          </p:cNvSpPr>
-          <p:nvPr/>
-        </p:nvSpPr>
-        <p:spPr bwMode="auto">
-          <a:xfrm>
-            <a:off x="457200" y="-76200"/>
-            <a:ext cx="8229600" cy="1143000"/>
-          </a:xfrm>
-          <a:prstGeom prst="rect">
-            <a:avLst/>
-          </a:prstGeom>
-          <a:noFill/>
-          <a:ln w="9525">
-            <a:noFill/>
-            <a:miter lim="800000"/>
-            <a:headEnd/>
-            <a:tailEnd/>
-          </a:ln>
-        </p:spPr>
-        <p:txBody>
-          <a:bodyPr anchor="ctr"/>
-          <a:lstStyle/>
-          <a:p>
-            <a:pPr algn="ctr"/>
-            <a:r>
-              <a:rPr lang="en-US" sz="4400">
-                <a:solidFill>
-                  <a:srgbClr val="CC0000"/>
-                </a:solidFill>
-                <a:latin typeface="Times New Roman" pitchFamily="18" charset="0"/>
-                <a:cs typeface="Times New Roman" pitchFamily="18" charset="0"/>
-              </a:rPr>
-              <a:t>Plan</a:t>
-            </a:r>
-          </a:p>
-        </p:txBody>
-      </p:sp>
-      <p:sp>
-        <p:nvSpPr>
-          <p:cNvPr id="14340" name="Oval 4"/>
-          <p:cNvSpPr>
-            <a:spLocks noChangeArrowheads="1"/>
-          </p:cNvSpPr>
-          <p:nvPr/>
-        </p:nvSpPr>
-        <p:spPr bwMode="auto">
-          <a:xfrm>
-            <a:off x="1828800" y="3962400"/>
-            <a:ext cx="3657600" cy="838200"/>
-          </a:xfrm>
-          <a:prstGeom prst="ellipse">
-            <a:avLst/>
-          </a:prstGeom>
-          <a:noFill/>
-          <a:ln w="9525" algn="ctr">
-            <a:noFill/>
-            <a:round/>
-            <a:headEnd/>
-            <a:tailEnd/>
-          </a:ln>
-        </p:spPr>
-        <p:txBody>
-          <a:bodyPr wrap="none" anchor="ctr">
-            <a:spAutoFit/>
-          </a:bodyPr>
-          <a:lstStyle/>
-          <a:p>
-            <a:endParaRPr lang="he-IL"/>
-          </a:p>
-        </p:txBody>
-      </p:sp>
-      <p:sp>
-        <p:nvSpPr>
-          <p:cNvPr id="14341" name="Oval 5"/>
-          <p:cNvSpPr>
-            <a:spLocks noChangeArrowheads="1"/>
-          </p:cNvSpPr>
-          <p:nvPr/>
-        </p:nvSpPr>
-        <p:spPr bwMode="auto">
-          <a:xfrm>
-            <a:off x="1905000" y="4038600"/>
-            <a:ext cx="3962400" cy="1066800"/>
-          </a:xfrm>
-          <a:prstGeom prst="ellipse">
-            <a:avLst/>
-          </a:prstGeom>
-          <a:noFill/>
-          <a:ln w="9525" algn="ctr">
-            <a:noFill/>
-            <a:round/>
-            <a:headEnd/>
-            <a:tailEnd/>
-          </a:ln>
-        </p:spPr>
-        <p:txBody>
-          <a:bodyPr wrap="none" anchor="ctr">
-            <a:spAutoFit/>
-          </a:bodyPr>
-          <a:lstStyle/>
-          <a:p>
-            <a:endParaRPr lang="he-IL"/>
-          </a:p>
-        </p:txBody>
-      </p:sp>
-      <p:sp>
-        <p:nvSpPr>
-          <p:cNvPr id="14342" name="Rectangle 3"/>
-          <p:cNvSpPr>
-            <a:spLocks noChangeArrowheads="1"/>
-          </p:cNvSpPr>
-          <p:nvPr/>
-        </p:nvSpPr>
-        <p:spPr bwMode="auto">
-          <a:xfrm>
-            <a:off x="152400" y="1066800"/>
-            <a:ext cx="8229600" cy="4953000"/>
-          </a:xfrm>
-          <a:prstGeom prst="rect">
-            <a:avLst/>
-          </a:prstGeom>
-          <a:noFill/>
-          <a:ln w="9525">
-            <a:noFill/>
-            <a:miter lim="800000"/>
-            <a:headEnd/>
-            <a:tailEnd/>
-          </a:ln>
-        </p:spPr>
-        <p:txBody>
-          <a:bodyPr/>
-          <a:lstStyle/>
-          <a:p>
-            <a:pPr marL="357188" indent="-357188">
-              <a:spcBef>
-                <a:spcPct val="20000"/>
-              </a:spcBef>
-              <a:buFontTx/>
-              <a:buChar char="•"/>
-            </a:pPr>
-            <a:r>
-              <a:rPr lang="en-US" sz="3200" dirty="0">
-                <a:solidFill>
-                  <a:srgbClr val="003399"/>
-                </a:solidFill>
-                <a:latin typeface="Times New Roman" pitchFamily="18" charset="0"/>
-                <a:cs typeface="Times New Roman" pitchFamily="18" charset="0"/>
-              </a:rPr>
-              <a:t>Error detection / error correction</a:t>
-            </a:r>
-          </a:p>
-          <a:p>
-            <a:pPr marL="357188" indent="-357188">
-              <a:spcBef>
-                <a:spcPct val="20000"/>
-              </a:spcBef>
-              <a:buFontTx/>
-              <a:buChar char="•"/>
-            </a:pPr>
-            <a:r>
-              <a:rPr lang="en-US" sz="3200" dirty="0">
-                <a:solidFill>
-                  <a:srgbClr val="003399"/>
-                </a:solidFill>
-                <a:latin typeface="Times New Roman" pitchFamily="18" charset="0"/>
-                <a:cs typeface="Times New Roman" pitchFamily="18" charset="0"/>
-              </a:rPr>
-              <a:t>Card magic</a:t>
-            </a:r>
-          </a:p>
-          <a:p>
-            <a:pPr marL="357188" indent="-357188">
-              <a:spcBef>
-                <a:spcPct val="20000"/>
-              </a:spcBef>
-              <a:buFontTx/>
-              <a:buChar char="•"/>
-            </a:pPr>
-            <a:r>
-              <a:rPr lang="en-US" sz="3200" dirty="0">
-                <a:solidFill>
-                  <a:srgbClr val="003399"/>
-                </a:solidFill>
-                <a:latin typeface="Times New Roman" pitchFamily="18" charset="0"/>
-                <a:cs typeface="Times New Roman" pitchFamily="18" charset="0"/>
-              </a:rPr>
-              <a:t>ID (</a:t>
-            </a:r>
-            <a:r>
-              <a:rPr lang="he-IL" sz="3200" dirty="0">
-                <a:solidFill>
-                  <a:srgbClr val="003399"/>
-                </a:solidFill>
-                <a:latin typeface="Times New Roman" pitchFamily="18" charset="0"/>
-                <a:cs typeface="Times New Roman" pitchFamily="18" charset="0"/>
-              </a:rPr>
-              <a:t>ספרת ביקורת</a:t>
-            </a:r>
-            <a:r>
-              <a:rPr lang="en-US" sz="3200" dirty="0">
-                <a:solidFill>
-                  <a:srgbClr val="003399"/>
-                </a:solidFill>
-                <a:latin typeface="Times New Roman" pitchFamily="18" charset="0"/>
-                <a:cs typeface="Times New Roman" pitchFamily="18" charset="0"/>
-              </a:rPr>
-              <a:t>)</a:t>
-            </a:r>
-          </a:p>
-          <a:p>
-            <a:pPr marL="357188" indent="-357188">
-              <a:spcBef>
-                <a:spcPct val="20000"/>
-              </a:spcBef>
-              <a:buFontTx/>
-              <a:buChar char="•"/>
-            </a:pPr>
-            <a:r>
-              <a:rPr lang="en-US" sz="3200" dirty="0">
-                <a:solidFill>
-                  <a:srgbClr val="003399"/>
-                </a:solidFill>
-                <a:latin typeface="Times New Roman" pitchFamily="18" charset="0"/>
-                <a:cs typeface="Times New Roman" pitchFamily="18" charset="0"/>
-              </a:rPr>
-              <a:t>RAID (redundant array of independent disks)</a:t>
-            </a:r>
-          </a:p>
-          <a:p>
-            <a:pPr marL="357188" indent="-357188">
-              <a:spcBef>
-                <a:spcPct val="20000"/>
-              </a:spcBef>
-              <a:buFontTx/>
-              <a:buChar char="•"/>
-            </a:pPr>
-            <a:r>
-              <a:rPr lang="en-US" sz="3200" dirty="0">
-                <a:solidFill>
-                  <a:srgbClr val="003399"/>
-                </a:solidFill>
-                <a:latin typeface="Times New Roman" pitchFamily="18" charset="0"/>
-                <a:cs typeface="Times New Roman" pitchFamily="18" charset="0"/>
-              </a:rPr>
-              <a:t>(yet another) Spell checker</a:t>
-            </a:r>
-          </a:p>
-          <a:p>
-            <a:pPr marL="357188" indent="-357188">
-              <a:spcBef>
-                <a:spcPct val="20000"/>
-              </a:spcBef>
-              <a:buFontTx/>
-              <a:buChar char="•"/>
-            </a:pPr>
-            <a:endParaRPr lang="en-US" sz="3200" dirty="0">
-              <a:solidFill>
-                <a:srgbClr val="003399"/>
-              </a:solidFill>
-              <a:latin typeface="Times New Roman" pitchFamily="18" charset="0"/>
-              <a:cs typeface="Times New Roman" pitchFamily="18" charset="0"/>
-            </a:endParaRPr>
-          </a:p>
-          <a:p>
-            <a:pPr marL="357188" indent="-357188">
-              <a:spcBef>
-                <a:spcPct val="20000"/>
-              </a:spcBef>
-              <a:buFontTx/>
-              <a:buChar char="•"/>
-            </a:pPr>
-            <a:endParaRPr lang="en-US" sz="3200" dirty="0">
-              <a:solidFill>
-                <a:srgbClr val="003399"/>
-              </a:solidFill>
-              <a:latin typeface="Times New Roman" pitchFamily="18" charset="0"/>
-              <a:cs typeface="Times New Roman" pitchFamily="18" charset="0"/>
-            </a:endParaRPr>
-          </a:p>
-        </p:txBody>
-      </p:sp>
-    </p:spTree>
-    <p:extLst>
-      <p:ext uri="{BB962C8B-B14F-4D97-AF65-F5344CB8AC3E}">
-        <p14:creationId xmlns:p14="http://schemas.microsoft.com/office/powerpoint/2010/main" val="339142325"/>
-      </p:ext>
-    </p:extLst>
-  </p:cSld>
-  <p:clrMapOvr>
-    <a:masterClrMapping/>
-  </p:clrMapOvr>
-</p:sld>
-</file>
-
-<file path=ppt/slides/slide30.xml><?xml version="1.0" encoding="utf-8"?>
+<file path=ppt/slides/slide28.xml><?xml version="1.0" encoding="utf-8"?>
 <p:sld xmlns:a="http://schemas.openxmlformats.org/drawingml/2006/main" xmlns:r="http://schemas.openxmlformats.org/officeDocument/2006/relationships" xmlns:p="http://schemas.openxmlformats.org/presentationml/2006/main">
   <p:cSld>
     <p:spTree>
@@ -38800,7 +38229,7 @@
 </p:sld>
 </file>
 
-<file path=ppt/slides/slide31.xml><?xml version="1.0" encoding="utf-8"?>
+<file path=ppt/slides/slide29.xml><?xml version="1.0" encoding="utf-8"?>
 <p:sld xmlns:a="http://schemas.openxmlformats.org/drawingml/2006/main" xmlns:r="http://schemas.openxmlformats.org/officeDocument/2006/relationships" xmlns:p="http://schemas.openxmlformats.org/presentationml/2006/main">
   <p:cSld>
     <p:spTree>
@@ -38964,7 +38393,373 @@
 </p:sld>
 </file>
 
-<file path=ppt/slides/slide32.xml><?xml version="1.0" encoding="utf-8"?>
+<file path=ppt/slides/slide3.xml><?xml version="1.0" encoding="utf-8"?>
+<p:sld xmlns:a="http://schemas.openxmlformats.org/drawingml/2006/main" xmlns:r="http://schemas.openxmlformats.org/officeDocument/2006/relationships" xmlns:p="http://schemas.openxmlformats.org/presentationml/2006/main">
+  <p:cSld>
+    <p:spTree>
+      <p:nvGrpSpPr>
+        <p:cNvPr id="1" name=""/>
+        <p:cNvGrpSpPr/>
+        <p:nvPr/>
+      </p:nvGrpSpPr>
+      <p:grpSpPr>
+        <a:xfrm>
+          <a:off x="0" y="0"/>
+          <a:ext cx="0" cy="0"/>
+          <a:chOff x="0" y="0"/>
+          <a:chExt cx="0" cy="0"/>
+        </a:xfrm>
+      </p:grpSpPr>
+      <p:sp>
+        <p:nvSpPr>
+          <p:cNvPr id="14338" name="Slide Number Placeholder 5"/>
+          <p:cNvSpPr txBox="1">
+            <a:spLocks noGrp="1"/>
+          </p:cNvSpPr>
+          <p:nvPr/>
+        </p:nvSpPr>
+        <p:spPr bwMode="auto">
+          <a:xfrm>
+            <a:off x="6553200" y="6400800"/>
+            <a:ext cx="2133600" cy="228600"/>
+          </a:xfrm>
+          <a:prstGeom prst="rect">
+            <a:avLst/>
+          </a:prstGeom>
+          <a:noFill/>
+          <a:ln w="9525">
+            <a:noFill/>
+            <a:miter lim="800000"/>
+            <a:headEnd/>
+            <a:tailEnd/>
+          </a:ln>
+        </p:spPr>
+        <p:txBody>
+          <a:bodyPr/>
+          <a:lstStyle/>
+          <a:p>
+            <a:pPr algn="r">
+              <a:spcBef>
+                <a:spcPct val="0"/>
+              </a:spcBef>
+            </a:pPr>
+            <a:fld id="{F021D73E-BE5B-409E-9BD3-15F894D58A12}" type="slidenum">
+              <a:rPr lang="he-IL" sz="1400">
+                <a:cs typeface="Arial" pitchFamily="34" charset="0"/>
+              </a:rPr>
+              <a:pPr algn="r">
+                <a:spcBef>
+                  <a:spcPct val="0"/>
+                </a:spcBef>
+              </a:pPr>
+              <a:t>3</a:t>
+            </a:fld>
+            <a:endParaRPr lang="en-US" sz="1400">
+              <a:cs typeface="Arial" pitchFamily="34" charset="0"/>
+            </a:endParaRPr>
+          </a:p>
+        </p:txBody>
+      </p:sp>
+      <p:sp>
+        <p:nvSpPr>
+          <p:cNvPr id="14339" name="Rectangle 2"/>
+          <p:cNvSpPr>
+            <a:spLocks noChangeArrowheads="1"/>
+          </p:cNvSpPr>
+          <p:nvPr/>
+        </p:nvSpPr>
+        <p:spPr bwMode="auto">
+          <a:xfrm>
+            <a:off x="457200" y="-76200"/>
+            <a:ext cx="8229600" cy="1143000"/>
+          </a:xfrm>
+          <a:prstGeom prst="rect">
+            <a:avLst/>
+          </a:prstGeom>
+          <a:noFill/>
+          <a:ln w="9525">
+            <a:noFill/>
+            <a:miter lim="800000"/>
+            <a:headEnd/>
+            <a:tailEnd/>
+          </a:ln>
+        </p:spPr>
+        <p:txBody>
+          <a:bodyPr anchor="ctr"/>
+          <a:lstStyle/>
+          <a:p>
+            <a:pPr algn="ctr"/>
+            <a:r>
+              <a:rPr lang="en-US" sz="4400">
+                <a:solidFill>
+                  <a:srgbClr val="CC0000"/>
+                </a:solidFill>
+                <a:latin typeface="Times New Roman" pitchFamily="18" charset="0"/>
+                <a:cs typeface="Times New Roman" pitchFamily="18" charset="0"/>
+              </a:rPr>
+              <a:t>Plan</a:t>
+            </a:r>
+          </a:p>
+        </p:txBody>
+      </p:sp>
+      <p:sp>
+        <p:nvSpPr>
+          <p:cNvPr id="14340" name="Oval 4"/>
+          <p:cNvSpPr>
+            <a:spLocks noChangeArrowheads="1"/>
+          </p:cNvSpPr>
+          <p:nvPr/>
+        </p:nvSpPr>
+        <p:spPr bwMode="auto">
+          <a:xfrm>
+            <a:off x="1828800" y="3962400"/>
+            <a:ext cx="3657600" cy="838200"/>
+          </a:xfrm>
+          <a:prstGeom prst="ellipse">
+            <a:avLst/>
+          </a:prstGeom>
+          <a:noFill/>
+          <a:ln w="9525" algn="ctr">
+            <a:noFill/>
+            <a:round/>
+            <a:headEnd/>
+            <a:tailEnd/>
+          </a:ln>
+        </p:spPr>
+        <p:txBody>
+          <a:bodyPr wrap="none" anchor="ctr">
+            <a:spAutoFit/>
+          </a:bodyPr>
+          <a:lstStyle/>
+          <a:p>
+            <a:endParaRPr lang="he-IL"/>
+          </a:p>
+        </p:txBody>
+      </p:sp>
+      <p:sp>
+        <p:nvSpPr>
+          <p:cNvPr id="14341" name="Oval 5"/>
+          <p:cNvSpPr>
+            <a:spLocks noChangeArrowheads="1"/>
+          </p:cNvSpPr>
+          <p:nvPr/>
+        </p:nvSpPr>
+        <p:spPr bwMode="auto">
+          <a:xfrm>
+            <a:off x="1905000" y="4038600"/>
+            <a:ext cx="3962400" cy="1066800"/>
+          </a:xfrm>
+          <a:prstGeom prst="ellipse">
+            <a:avLst/>
+          </a:prstGeom>
+          <a:noFill/>
+          <a:ln w="9525" algn="ctr">
+            <a:noFill/>
+            <a:round/>
+            <a:headEnd/>
+            <a:tailEnd/>
+          </a:ln>
+        </p:spPr>
+        <p:txBody>
+          <a:bodyPr wrap="none" anchor="ctr">
+            <a:spAutoFit/>
+          </a:bodyPr>
+          <a:lstStyle/>
+          <a:p>
+            <a:endParaRPr lang="he-IL"/>
+          </a:p>
+        </p:txBody>
+      </p:sp>
+      <p:sp>
+        <p:nvSpPr>
+          <p:cNvPr id="14342" name="Rectangle 3"/>
+          <p:cNvSpPr>
+            <a:spLocks noChangeArrowheads="1"/>
+          </p:cNvSpPr>
+          <p:nvPr/>
+        </p:nvSpPr>
+        <p:spPr bwMode="auto">
+          <a:xfrm>
+            <a:off x="152400" y="1066800"/>
+            <a:ext cx="8229600" cy="4953000"/>
+          </a:xfrm>
+          <a:prstGeom prst="rect">
+            <a:avLst/>
+          </a:prstGeom>
+          <a:noFill/>
+          <a:ln w="9525">
+            <a:noFill/>
+            <a:miter lim="800000"/>
+            <a:headEnd/>
+            <a:tailEnd/>
+          </a:ln>
+        </p:spPr>
+        <p:txBody>
+          <a:bodyPr/>
+          <a:lstStyle/>
+          <a:p>
+            <a:pPr marL="357188" indent="-357188">
+              <a:spcBef>
+                <a:spcPct val="20000"/>
+              </a:spcBef>
+              <a:buFontTx/>
+              <a:buChar char="•"/>
+            </a:pPr>
+            <a:r>
+              <a:rPr lang="en-US" sz="3200" dirty="0">
+                <a:solidFill>
+                  <a:srgbClr val="003399"/>
+                </a:solidFill>
+                <a:latin typeface="Times New Roman" pitchFamily="18" charset="0"/>
+                <a:cs typeface="Times New Roman" pitchFamily="18" charset="0"/>
+              </a:rPr>
+              <a:t>Error detection / error correction</a:t>
+            </a:r>
+          </a:p>
+          <a:p>
+            <a:pPr marL="357188" indent="-357188">
+              <a:spcBef>
+                <a:spcPct val="20000"/>
+              </a:spcBef>
+              <a:buFontTx/>
+              <a:buChar char="•"/>
+            </a:pPr>
+            <a:r>
+              <a:rPr lang="en-US" sz="3200" dirty="0">
+                <a:solidFill>
+                  <a:srgbClr val="003399"/>
+                </a:solidFill>
+                <a:latin typeface="Times New Roman" pitchFamily="18" charset="0"/>
+                <a:cs typeface="Times New Roman" pitchFamily="18" charset="0"/>
+              </a:rPr>
+              <a:t>Card magic</a:t>
+            </a:r>
+          </a:p>
+          <a:p>
+            <a:pPr marL="357188" indent="-357188">
+              <a:spcBef>
+                <a:spcPct val="20000"/>
+              </a:spcBef>
+              <a:buFontTx/>
+              <a:buChar char="•"/>
+            </a:pPr>
+            <a:r>
+              <a:rPr lang="en-US" sz="3200" dirty="0">
+                <a:solidFill>
+                  <a:srgbClr val="003399"/>
+                </a:solidFill>
+                <a:latin typeface="Times New Roman" pitchFamily="18" charset="0"/>
+                <a:cs typeface="Times New Roman" pitchFamily="18" charset="0"/>
+              </a:rPr>
+              <a:t>ID (</a:t>
+            </a:r>
+            <a:r>
+              <a:rPr lang="he-IL" sz="3200" dirty="0">
+                <a:solidFill>
+                  <a:srgbClr val="003399"/>
+                </a:solidFill>
+                <a:latin typeface="Times New Roman" pitchFamily="18" charset="0"/>
+                <a:cs typeface="Times New Roman" pitchFamily="18" charset="0"/>
+              </a:rPr>
+              <a:t>ספרת ביקורת</a:t>
+            </a:r>
+            <a:r>
+              <a:rPr lang="en-US" sz="3200" dirty="0">
+                <a:solidFill>
+                  <a:srgbClr val="003399"/>
+                </a:solidFill>
+                <a:latin typeface="Times New Roman" pitchFamily="18" charset="0"/>
+                <a:cs typeface="Times New Roman" pitchFamily="18" charset="0"/>
+              </a:rPr>
+              <a:t>)</a:t>
+            </a:r>
+          </a:p>
+          <a:p>
+            <a:pPr marL="357188" indent="-357188">
+              <a:spcBef>
+                <a:spcPct val="20000"/>
+              </a:spcBef>
+              <a:buFontTx/>
+              <a:buChar char="•"/>
+            </a:pPr>
+            <a:r>
+              <a:rPr lang="en-US" sz="3200" dirty="0">
+                <a:solidFill>
+                  <a:srgbClr val="003399"/>
+                </a:solidFill>
+                <a:latin typeface="Times New Roman" pitchFamily="18" charset="0"/>
+                <a:cs typeface="Times New Roman" pitchFamily="18" charset="0"/>
+              </a:rPr>
+              <a:t>RAID (redundant array of independent disks)</a:t>
+            </a:r>
+          </a:p>
+          <a:p>
+            <a:pPr marL="357188" indent="-357188">
+              <a:spcBef>
+                <a:spcPct val="20000"/>
+              </a:spcBef>
+              <a:buFontTx/>
+              <a:buChar char="•"/>
+            </a:pPr>
+            <a:r>
+              <a:rPr lang="en-US" sz="3200" dirty="0">
+                <a:solidFill>
+                  <a:srgbClr val="003399"/>
+                </a:solidFill>
+                <a:latin typeface="Times New Roman" pitchFamily="18" charset="0"/>
+                <a:cs typeface="Times New Roman" pitchFamily="18" charset="0"/>
+              </a:rPr>
+              <a:t>(yet another) Spell checker</a:t>
+            </a:r>
+          </a:p>
+          <a:p>
+            <a:pPr marL="357188" indent="-357188">
+              <a:spcBef>
+                <a:spcPct val="20000"/>
+              </a:spcBef>
+              <a:buFontTx/>
+              <a:buChar char="•"/>
+            </a:pPr>
+            <a:endParaRPr lang="en-US" sz="3200" dirty="0">
+              <a:solidFill>
+                <a:srgbClr val="003399"/>
+              </a:solidFill>
+              <a:latin typeface="Times New Roman" pitchFamily="18" charset="0"/>
+              <a:cs typeface="Times New Roman" pitchFamily="18" charset="0"/>
+            </a:endParaRPr>
+          </a:p>
+          <a:p>
+            <a:pPr marL="357188" indent="-357188">
+              <a:spcBef>
+                <a:spcPct val="20000"/>
+              </a:spcBef>
+              <a:buFontTx/>
+              <a:buChar char="•"/>
+            </a:pPr>
+            <a:endParaRPr lang="en-US" sz="3200" dirty="0">
+              <a:solidFill>
+                <a:srgbClr val="003399"/>
+              </a:solidFill>
+              <a:latin typeface="Times New Roman" pitchFamily="18" charset="0"/>
+              <a:cs typeface="Times New Roman" pitchFamily="18" charset="0"/>
+            </a:endParaRPr>
+          </a:p>
+        </p:txBody>
+      </p:sp>
+    </p:spTree>
+    <p:extLst>
+      <p:ext uri="{BB962C8B-B14F-4D97-AF65-F5344CB8AC3E}">
+        <p14:creationId xmlns:p14="http://schemas.microsoft.com/office/powerpoint/2010/main" val="339142325"/>
+      </p:ext>
+    </p:extLst>
+  </p:cSld>
+  <p:clrMapOvr>
+    <a:masterClrMapping/>
+  </p:clrMapOvr>
+</p:sld>
+</file>
+
+<file path=ppt/slides/slide30.xml><?xml version="1.0" encoding="utf-8"?>
 <p:sld xmlns:a="http://schemas.openxmlformats.org/drawingml/2006/main" xmlns:r="http://schemas.openxmlformats.org/officeDocument/2006/relationships" xmlns:p="http://schemas.openxmlformats.org/presentationml/2006/main">
   <p:cSld>
     <p:spTree>
@@ -39123,7 +38918,7 @@
 </p:sld>
 </file>
 
-<file path=ppt/slides/slide33.xml><?xml version="1.0" encoding="utf-8"?>
+<file path=ppt/slides/slide31.xml><?xml version="1.0" encoding="utf-8"?>
 <p:sld xmlns:a="http://schemas.openxmlformats.org/drawingml/2006/main" xmlns:r="http://schemas.openxmlformats.org/officeDocument/2006/relationships" xmlns:p="http://schemas.openxmlformats.org/presentationml/2006/main">
   <p:cSld>
     <p:spTree>
@@ -39310,7 +39105,7 @@
 </p:sld>
 </file>
 
-<file path=ppt/slides/slide34.xml><?xml version="1.0" encoding="utf-8"?>
+<file path=ppt/slides/slide32.xml><?xml version="1.0" encoding="utf-8"?>
 <p:sld xmlns:a="http://schemas.openxmlformats.org/drawingml/2006/main" xmlns:r="http://schemas.openxmlformats.org/officeDocument/2006/relationships" xmlns:p="http://schemas.openxmlformats.org/presentationml/2006/main">
   <p:cSld>
     <p:spTree>
@@ -39708,7 +39503,7 @@
 </p:sld>
 </file>
 
-<file path=ppt/slides/slide35.xml><?xml version="1.0" encoding="utf-8"?>
+<file path=ppt/slides/slide33.xml><?xml version="1.0" encoding="utf-8"?>
 <p:sld xmlns:a="http://schemas.openxmlformats.org/drawingml/2006/main" xmlns:r="http://schemas.openxmlformats.org/officeDocument/2006/relationships" xmlns:p="http://schemas.openxmlformats.org/presentationml/2006/main">
   <p:cSld>
     <p:spTree>
@@ -40010,7 +39805,7 @@
 </p:sld>
 </file>
 
-<file path=ppt/slides/slide36.xml><?xml version="1.0" encoding="utf-8"?>
+<file path=ppt/slides/slide34.xml><?xml version="1.0" encoding="utf-8"?>
 <p:sld xmlns:a="http://schemas.openxmlformats.org/drawingml/2006/main" xmlns:r="http://schemas.openxmlformats.org/officeDocument/2006/relationships" xmlns:p="http://schemas.openxmlformats.org/presentationml/2006/main">
   <p:cSld>
     <p:spTree>
@@ -40166,6 +39961,482 @@
   <p:clrMapOvr>
     <a:masterClrMapping/>
   </p:clrMapOvr>
+</p:sld>
+</file>
+
+<file path=ppt/slides/slide35.xml><?xml version="1.0" encoding="utf-8"?>
+<p:sld xmlns:a="http://schemas.openxmlformats.org/drawingml/2006/main" xmlns:r="http://schemas.openxmlformats.org/officeDocument/2006/relationships" xmlns:p="http://schemas.openxmlformats.org/presentationml/2006/main">
+  <p:cSld>
+    <p:spTree>
+      <p:nvGrpSpPr>
+        <p:cNvPr id="1" name=""/>
+        <p:cNvGrpSpPr/>
+        <p:nvPr/>
+      </p:nvGrpSpPr>
+      <p:grpSpPr>
+        <a:xfrm>
+          <a:off x="0" y="0"/>
+          <a:ext cx="0" cy="0"/>
+          <a:chOff x="0" y="0"/>
+          <a:chExt cx="0" cy="0"/>
+        </a:xfrm>
+      </p:grpSpPr>
+      <p:sp>
+        <p:nvSpPr>
+          <p:cNvPr id="19459" name="Rectangle 2"/>
+          <p:cNvSpPr>
+            <a:spLocks noChangeArrowheads="1"/>
+          </p:cNvSpPr>
+          <p:nvPr/>
+        </p:nvSpPr>
+        <p:spPr bwMode="auto">
+          <a:xfrm>
+            <a:off x="457200" y="-76200"/>
+            <a:ext cx="8229600" cy="1143000"/>
+          </a:xfrm>
+          <a:prstGeom prst="rect">
+            <a:avLst/>
+          </a:prstGeom>
+          <a:noFill/>
+          <a:ln w="9525">
+            <a:noFill/>
+            <a:miter lim="800000"/>
+            <a:headEnd/>
+            <a:tailEnd/>
+          </a:ln>
+        </p:spPr>
+        <p:txBody>
+          <a:bodyPr anchor="ctr"/>
+          <a:lstStyle/>
+          <a:p>
+            <a:pPr algn="ctr"/>
+            <a:r>
+              <a:rPr lang="en-US" sz="4400" dirty="0">
+                <a:solidFill>
+                  <a:srgbClr val="CC0000"/>
+                </a:solidFill>
+                <a:latin typeface="Times New Roman" pitchFamily="18" charset="0"/>
+                <a:cs typeface="Times New Roman" pitchFamily="18" charset="0"/>
+              </a:rPr>
+              <a:t>Exercises</a:t>
+            </a:r>
+          </a:p>
+        </p:txBody>
+      </p:sp>
+      <p:sp>
+        <p:nvSpPr>
+          <p:cNvPr id="19460" name="Oval 4"/>
+          <p:cNvSpPr>
+            <a:spLocks noChangeArrowheads="1"/>
+          </p:cNvSpPr>
+          <p:nvPr/>
+        </p:nvSpPr>
+        <p:spPr bwMode="auto">
+          <a:xfrm>
+            <a:off x="1828800" y="3962400"/>
+            <a:ext cx="3657600" cy="838200"/>
+          </a:xfrm>
+          <a:prstGeom prst="ellipse">
+            <a:avLst/>
+          </a:prstGeom>
+          <a:noFill/>
+          <a:ln w="9525" algn="ctr">
+            <a:noFill/>
+            <a:round/>
+            <a:headEnd/>
+            <a:tailEnd/>
+          </a:ln>
+        </p:spPr>
+        <p:txBody>
+          <a:bodyPr wrap="none" anchor="ctr">
+            <a:spAutoFit/>
+          </a:bodyPr>
+          <a:lstStyle/>
+          <a:p>
+            <a:endParaRPr lang="he-IL"/>
+          </a:p>
+        </p:txBody>
+      </p:sp>
+      <p:sp>
+        <p:nvSpPr>
+          <p:cNvPr id="19461" name="Oval 5"/>
+          <p:cNvSpPr>
+            <a:spLocks noChangeArrowheads="1"/>
+          </p:cNvSpPr>
+          <p:nvPr/>
+        </p:nvSpPr>
+        <p:spPr bwMode="auto">
+          <a:xfrm>
+            <a:off x="1905000" y="4038600"/>
+            <a:ext cx="3962400" cy="1066800"/>
+          </a:xfrm>
+          <a:prstGeom prst="ellipse">
+            <a:avLst/>
+          </a:prstGeom>
+          <a:noFill/>
+          <a:ln w="9525" algn="ctr">
+            <a:noFill/>
+            <a:round/>
+            <a:headEnd/>
+            <a:tailEnd/>
+          </a:ln>
+        </p:spPr>
+        <p:txBody>
+          <a:bodyPr wrap="none" anchor="ctr">
+            <a:spAutoFit/>
+          </a:bodyPr>
+          <a:lstStyle/>
+          <a:p>
+            <a:endParaRPr lang="he-IL"/>
+          </a:p>
+        </p:txBody>
+      </p:sp>
+      <p:sp>
+        <p:nvSpPr>
+          <p:cNvPr id="19462" name="Rectangle 3"/>
+          <p:cNvSpPr>
+            <a:spLocks noChangeArrowheads="1"/>
+          </p:cNvSpPr>
+          <p:nvPr/>
+        </p:nvSpPr>
+        <p:spPr bwMode="auto">
+          <a:xfrm>
+            <a:off x="152400" y="1066800"/>
+            <a:ext cx="8229600" cy="4953000"/>
+          </a:xfrm>
+          <a:prstGeom prst="rect">
+            <a:avLst/>
+          </a:prstGeom>
+          <a:noFill/>
+          <a:ln w="9525">
+            <a:noFill/>
+            <a:miter lim="800000"/>
+            <a:headEnd/>
+            <a:tailEnd/>
+          </a:ln>
+        </p:spPr>
+        <p:txBody>
+          <a:bodyPr/>
+          <a:lstStyle/>
+          <a:p>
+            <a:pPr marL="357188" indent="-357188">
+              <a:spcBef>
+                <a:spcPct val="20000"/>
+              </a:spcBef>
+              <a:spcAft>
+                <a:spcPts val="600"/>
+              </a:spcAft>
+              <a:buFontTx/>
+              <a:buChar char="•"/>
+            </a:pPr>
+            <a:r>
+              <a:rPr lang="en-US" sz="3200" dirty="0">
+                <a:solidFill>
+                  <a:srgbClr val="003399"/>
+                </a:solidFill>
+                <a:latin typeface="Times New Roman" pitchFamily="18" charset="0"/>
+                <a:cs typeface="Times New Roman" pitchFamily="18" charset="0"/>
+              </a:rPr>
+              <a:t>Write a function names print closest:</a:t>
+            </a:r>
+          </a:p>
+          <a:p>
+            <a:pPr marL="814388" lvl="1" indent="-357188">
+              <a:spcBef>
+                <a:spcPct val="20000"/>
+              </a:spcBef>
+              <a:spcAft>
+                <a:spcPts val="600"/>
+              </a:spcAft>
+              <a:buFontTx/>
+              <a:buChar char="•"/>
+            </a:pPr>
+            <a:r>
+              <a:rPr lang="en-US" sz="3200" dirty="0">
+                <a:solidFill>
+                  <a:srgbClr val="003399"/>
+                </a:solidFill>
+                <a:latin typeface="Times New Roman" pitchFamily="18" charset="0"/>
+                <a:cs typeface="Times New Roman" pitchFamily="18" charset="0"/>
+              </a:rPr>
+              <a:t>Receive an array of strings</a:t>
+            </a:r>
+          </a:p>
+          <a:p>
+            <a:pPr marL="814388" lvl="1" indent="-357188">
+              <a:spcBef>
+                <a:spcPct val="20000"/>
+              </a:spcBef>
+              <a:spcAft>
+                <a:spcPts val="600"/>
+              </a:spcAft>
+              <a:buFontTx/>
+              <a:buChar char="•"/>
+            </a:pPr>
+            <a:r>
+              <a:rPr lang="en-US" sz="3200" dirty="0">
+                <a:solidFill>
+                  <a:srgbClr val="003399"/>
+                </a:solidFill>
+                <a:latin typeface="Times New Roman" pitchFamily="18" charset="0"/>
+                <a:cs typeface="Times New Roman" pitchFamily="18" charset="0"/>
+              </a:rPr>
+              <a:t>For each string S write: the closest to S in … (and the closest so S) the farthest from S is… </a:t>
+            </a:r>
+          </a:p>
+          <a:p>
+            <a:pPr marL="357188" indent="-357188">
+              <a:spcBef>
+                <a:spcPct val="20000"/>
+              </a:spcBef>
+              <a:spcAft>
+                <a:spcPts val="600"/>
+              </a:spcAft>
+              <a:buFontTx/>
+              <a:buChar char="•"/>
+            </a:pPr>
+            <a:r>
+              <a:rPr lang="en-US" sz="3200">
+                <a:solidFill>
+                  <a:srgbClr val="003399"/>
+                </a:solidFill>
+                <a:latin typeface="Times New Roman" pitchFamily="18" charset="0"/>
+                <a:cs typeface="Times New Roman" pitchFamily="18" charset="0"/>
+              </a:rPr>
+              <a:t> </a:t>
+            </a:r>
+            <a:endParaRPr lang="en-US" sz="3200" dirty="0">
+              <a:solidFill>
+                <a:srgbClr val="003399"/>
+              </a:solidFill>
+              <a:latin typeface="Times New Roman" pitchFamily="18" charset="0"/>
+              <a:cs typeface="Times New Roman" pitchFamily="18" charset="0"/>
+            </a:endParaRPr>
+          </a:p>
+          <a:p>
+            <a:pPr marL="357188" indent="-357188">
+              <a:spcBef>
+                <a:spcPct val="20000"/>
+              </a:spcBef>
+              <a:spcAft>
+                <a:spcPts val="600"/>
+              </a:spcAft>
+              <a:buFontTx/>
+              <a:buChar char="•"/>
+            </a:pPr>
+            <a:endParaRPr lang="en-US" sz="3200" dirty="0">
+              <a:solidFill>
+                <a:srgbClr val="003399"/>
+              </a:solidFill>
+              <a:latin typeface="Times New Roman" pitchFamily="18" charset="0"/>
+              <a:cs typeface="Times New Roman" pitchFamily="18" charset="0"/>
+            </a:endParaRPr>
+          </a:p>
+        </p:txBody>
+      </p:sp>
+    </p:spTree>
+    <p:extLst>
+      <p:ext uri="{BB962C8B-B14F-4D97-AF65-F5344CB8AC3E}">
+        <p14:creationId xmlns:p14="http://schemas.microsoft.com/office/powerpoint/2010/main" val="3647049941"/>
+      </p:ext>
+    </p:extLst>
+  </p:cSld>
+  <p:clrMapOvr>
+    <a:masterClrMapping/>
+  </p:clrMapOvr>
+  <p:timing>
+    <p:tnLst>
+      <p:par>
+        <p:cTn id="1" dur="indefinite" restart="never" nodeType="tmRoot">
+          <p:childTnLst>
+            <p:seq concurrent="1" nextAc="seek">
+              <p:cTn id="2" dur="indefinite" nodeType="mainSeq">
+                <p:childTnLst>
+                  <p:par>
+                    <p:cTn id="3" fill="hold">
+                      <p:stCondLst>
+                        <p:cond delay="indefinite"/>
+                      </p:stCondLst>
+                      <p:childTnLst>
+                        <p:par>
+                          <p:cTn id="4" fill="hold">
+                            <p:stCondLst>
+                              <p:cond delay="0"/>
+                            </p:stCondLst>
+                            <p:childTnLst>
+                              <p:par>
+                                <p:cTn id="5" presetID="1" presetClass="entr" presetSubtype="0" fill="hold" grpId="0" nodeType="clickEffect">
+                                  <p:stCondLst>
+                                    <p:cond delay="0"/>
+                                  </p:stCondLst>
+                                  <p:childTnLst>
+                                    <p:set>
+                                      <p:cBhvr>
+                                        <p:cTn id="6" dur="1" fill="hold">
+                                          <p:stCondLst>
+                                            <p:cond delay="0"/>
+                                          </p:stCondLst>
+                                        </p:cTn>
+                                        <p:tgtEl>
+                                          <p:spTgt spid="19462">
+                                            <p:txEl>
+                                              <p:pRg st="0" end="0"/>
+                                            </p:txEl>
+                                          </p:spTgt>
+                                        </p:tgtEl>
+                                        <p:attrNameLst>
+                                          <p:attrName>style.visibility</p:attrName>
+                                        </p:attrNameLst>
+                                      </p:cBhvr>
+                                      <p:to>
+                                        <p:strVal val="visible"/>
+                                      </p:to>
+                                    </p:set>
+                                  </p:childTnLst>
+                                </p:cTn>
+                              </p:par>
+                              <p:par>
+                                <p:cTn id="7" presetID="1" presetClass="entr" presetSubtype="0" fill="hold" grpId="0" nodeType="withEffect">
+                                  <p:stCondLst>
+                                    <p:cond delay="0"/>
+                                  </p:stCondLst>
+                                  <p:childTnLst>
+                                    <p:set>
+                                      <p:cBhvr>
+                                        <p:cTn id="8" dur="1" fill="hold">
+                                          <p:stCondLst>
+                                            <p:cond delay="0"/>
+                                          </p:stCondLst>
+                                        </p:cTn>
+                                        <p:tgtEl>
+                                          <p:spTgt spid="19462">
+                                            <p:txEl>
+                                              <p:pRg st="1" end="1"/>
+                                            </p:txEl>
+                                          </p:spTgt>
+                                        </p:tgtEl>
+                                        <p:attrNameLst>
+                                          <p:attrName>style.visibility</p:attrName>
+                                        </p:attrNameLst>
+                                      </p:cBhvr>
+                                      <p:to>
+                                        <p:strVal val="visible"/>
+                                      </p:to>
+                                    </p:set>
+                                  </p:childTnLst>
+                                </p:cTn>
+                              </p:par>
+                              <p:par>
+                                <p:cTn id="9" presetID="1" presetClass="entr" presetSubtype="0" fill="hold" grpId="0" nodeType="withEffect">
+                                  <p:stCondLst>
+                                    <p:cond delay="0"/>
+                                  </p:stCondLst>
+                                  <p:childTnLst>
+                                    <p:set>
+                                      <p:cBhvr>
+                                        <p:cTn id="10" dur="1" fill="hold">
+                                          <p:stCondLst>
+                                            <p:cond delay="0"/>
+                                          </p:stCondLst>
+                                        </p:cTn>
+                                        <p:tgtEl>
+                                          <p:spTgt spid="19462">
+                                            <p:txEl>
+                                              <p:pRg st="2" end="2"/>
+                                            </p:txEl>
+                                          </p:spTgt>
+                                        </p:tgtEl>
+                                        <p:attrNameLst>
+                                          <p:attrName>style.visibility</p:attrName>
+                                        </p:attrNameLst>
+                                      </p:cBhvr>
+                                      <p:to>
+                                        <p:strVal val="visible"/>
+                                      </p:to>
+                                    </p:set>
+                                  </p:childTnLst>
+                                </p:cTn>
+                              </p:par>
+                            </p:childTnLst>
+                          </p:cTn>
+                        </p:par>
+                      </p:childTnLst>
+                    </p:cTn>
+                  </p:par>
+                  <p:par>
+                    <p:cTn id="11" fill="hold">
+                      <p:stCondLst>
+                        <p:cond delay="indefinite"/>
+                      </p:stCondLst>
+                      <p:childTnLst>
+                        <p:par>
+                          <p:cTn id="12" fill="hold">
+                            <p:stCondLst>
+                              <p:cond delay="0"/>
+                            </p:stCondLst>
+                            <p:childTnLst>
+                              <p:par>
+                                <p:cTn id="13" presetID="1" presetClass="entr" presetSubtype="0" fill="hold" grpId="0" nodeType="clickEffect">
+                                  <p:stCondLst>
+                                    <p:cond delay="0"/>
+                                  </p:stCondLst>
+                                  <p:childTnLst>
+                                    <p:set>
+                                      <p:cBhvr>
+                                        <p:cTn id="14" dur="1" fill="hold">
+                                          <p:stCondLst>
+                                            <p:cond delay="0"/>
+                                          </p:stCondLst>
+                                        </p:cTn>
+                                        <p:tgtEl>
+                                          <p:spTgt spid="19462">
+                                            <p:txEl>
+                                              <p:pRg st="3" end="3"/>
+                                            </p:txEl>
+                                          </p:spTgt>
+                                        </p:tgtEl>
+                                        <p:attrNameLst>
+                                          <p:attrName>style.visibility</p:attrName>
+                                        </p:attrNameLst>
+                                      </p:cBhvr>
+                                      <p:to>
+                                        <p:strVal val="visible"/>
+                                      </p:to>
+                                    </p:set>
+                                  </p:childTnLst>
+                                </p:cTn>
+                              </p:par>
+                            </p:childTnLst>
+                          </p:cTn>
+                        </p:par>
+                      </p:childTnLst>
+                    </p:cTn>
+                  </p:par>
+                </p:childTnLst>
+              </p:cTn>
+              <p:prevCondLst>
+                <p:cond evt="onPrev" delay="0">
+                  <p:tgtEl>
+                    <p:sldTgt/>
+                  </p:tgtEl>
+                </p:cond>
+              </p:prevCondLst>
+              <p:nextCondLst>
+                <p:cond evt="onNext" delay="0">
+                  <p:tgtEl>
+                    <p:sldTgt/>
+                  </p:tgtEl>
+                </p:cond>
+              </p:nextCondLst>
+            </p:seq>
+          </p:childTnLst>
+        </p:cTn>
+      </p:par>
+    </p:tnLst>
+    <p:bldLst>
+      <p:bldP spid="19462" grpId="0" build="p"/>
+    </p:bldLst>
+  </p:timing>
 </p:sld>
 </file>
 
